--- a/info/typical views.pptx
+++ b/info/typical views.pptx
@@ -3410,6 +3410,42 @@
           <a:chExt cx="0" cy="0"/>
         </a:xfrm>
       </p:grpSpPr>
+      <p:pic>
+        <p:nvPicPr>
+          <p:cNvPr id="5" name="Picture 4">
+            <a:extLst>
+              <a:ext uri="{FF2B5EF4-FFF2-40B4-BE49-F238E27FC236}">
+                <a16:creationId xmlns:a16="http://schemas.microsoft.com/office/drawing/2014/main" id="{E75885E9-CD4D-4DBC-B107-E15E1CF6DF5C}"/>
+              </a:ext>
+            </a:extLst>
+          </p:cNvPr>
+          <p:cNvPicPr>
+            <a:picLocks noChangeAspect="1"/>
+          </p:cNvPicPr>
+          <p:nvPr/>
+        </p:nvPicPr>
+        <p:blipFill>
+          <a:blip r:embed="rId2">
+            <a:extLst>
+              <a:ext uri="{28A0092B-C50C-407E-A947-70E740481C1C}">
+                <a14:useLocalDpi xmlns:a14="http://schemas.microsoft.com/office/drawing/2010/main" val="0"/>
+              </a:ext>
+            </a:extLst>
+          </a:blip>
+          <a:stretch>
+            <a:fillRect/>
+          </a:stretch>
+        </p:blipFill>
+        <p:spPr>
+          <a:xfrm>
+            <a:off x="1433763" y="-133350"/>
+            <a:ext cx="4929876" cy="6787510"/>
+          </a:xfrm>
+          <a:prstGeom prst="rect">
+            <a:avLst/>
+          </a:prstGeom>
+        </p:spPr>
+      </p:pic>
     </p:spTree>
     <p:extLst>
       <p:ext uri="{BB962C8B-B14F-4D97-AF65-F5344CB8AC3E}">
@@ -3440,348 +3476,116 @@
           <a:chExt cx="0" cy="0"/>
         </a:xfrm>
       </p:grpSpPr>
-      <p:grpSp>
-        <p:nvGrpSpPr>
-          <p:cNvPr id="13" name="Group 12">
-            <a:extLst>
-              <a:ext uri="{FF2B5EF4-FFF2-40B4-BE49-F238E27FC236}">
-                <a16:creationId xmlns:a16="http://schemas.microsoft.com/office/drawing/2014/main" id="{91E7F94C-BF66-4770-AD29-33229AB1EB43}"/>
-              </a:ext>
-            </a:extLst>
-          </p:cNvPr>
-          <p:cNvGrpSpPr/>
+      <p:pic>
+        <p:nvPicPr>
+          <p:cNvPr id="5" name="Picture 4">
+            <a:extLst>
+              <a:ext uri="{FF2B5EF4-FFF2-40B4-BE49-F238E27FC236}">
+                <a16:creationId xmlns:a16="http://schemas.microsoft.com/office/drawing/2014/main" id="{B0078785-2F9F-412F-BC52-EC76A3766E21}"/>
+              </a:ext>
+            </a:extLst>
+          </p:cNvPr>
+          <p:cNvPicPr>
+            <a:picLocks noChangeAspect="1"/>
+          </p:cNvPicPr>
           <p:nvPr/>
-        </p:nvGrpSpPr>
-        <p:grpSpPr>
+        </p:nvPicPr>
+        <p:blipFill rotWithShape="1">
+          <a:blip r:embed="rId2">
+            <a:extLst>
+              <a:ext uri="{28A0092B-C50C-407E-A947-70E740481C1C}">
+                <a14:useLocalDpi xmlns:a14="http://schemas.microsoft.com/office/drawing/2010/main" val="0"/>
+              </a:ext>
+            </a:extLst>
+          </a:blip>
+          <a:srcRect t="22255" r="48688" b="27206"/>
+          <a:stretch/>
+        </p:blipFill>
+        <p:spPr>
           <a:xfrm>
             <a:off x="-292352" y="0"/>
             <a:ext cx="5057189" cy="6858000"/>
-            <a:chOff x="-158619" y="0"/>
-            <a:chExt cx="5057189" cy="6858000"/>
           </a:xfrm>
-        </p:grpSpPr>
-        <p:pic>
-          <p:nvPicPr>
-            <p:cNvPr id="5" name="Picture 4">
-              <a:extLst>
-                <a:ext uri="{FF2B5EF4-FFF2-40B4-BE49-F238E27FC236}">
-                  <a16:creationId xmlns:a16="http://schemas.microsoft.com/office/drawing/2014/main" id="{B0078785-2F9F-412F-BC52-EC76A3766E21}"/>
-                </a:ext>
-              </a:extLst>
-            </p:cNvPr>
-            <p:cNvPicPr>
-              <a:picLocks noChangeAspect="1"/>
-            </p:cNvPicPr>
-            <p:nvPr/>
-          </p:nvPicPr>
-          <p:blipFill rotWithShape="1">
-            <a:blip r:embed="rId2">
-              <a:extLst>
-                <a:ext uri="{28A0092B-C50C-407E-A947-70E740481C1C}">
-                  <a14:useLocalDpi xmlns:a14="http://schemas.microsoft.com/office/drawing/2010/main" val="0"/>
-                </a:ext>
-              </a:extLst>
-            </a:blip>
-            <a:srcRect t="22255" r="48688" b="27206"/>
-            <a:stretch/>
-          </p:blipFill>
-          <p:spPr>
-            <a:xfrm>
-              <a:off x="-158619" y="0"/>
-              <a:ext cx="5057189" cy="6858000"/>
-            </a:xfrm>
-            <a:prstGeom prst="rect">
-              <a:avLst/>
-            </a:prstGeom>
-          </p:spPr>
-        </p:pic>
-        <p:sp>
-          <p:nvSpPr>
-            <p:cNvPr id="6" name="Frame 5">
-              <a:extLst>
-                <a:ext uri="{FF2B5EF4-FFF2-40B4-BE49-F238E27FC236}">
-                  <a16:creationId xmlns:a16="http://schemas.microsoft.com/office/drawing/2014/main" id="{227303C8-9782-4DB1-8FAD-2983C6774C46}"/>
-                </a:ext>
-              </a:extLst>
-            </p:cNvPr>
-            <p:cNvSpPr/>
-            <p:nvPr/>
-          </p:nvSpPr>
-          <p:spPr>
-            <a:xfrm>
-              <a:off x="-1" y="0"/>
-              <a:ext cx="4898571" cy="6858000"/>
-            </a:xfrm>
-            <a:prstGeom prst="frame">
-              <a:avLst>
-                <a:gd name="adj1" fmla="val 30759"/>
-              </a:avLst>
-            </a:prstGeom>
-            <a:solidFill>
-              <a:schemeClr val="bg1"/>
-            </a:solidFill>
-            <a:ln>
-              <a:noFill/>
-            </a:ln>
-          </p:spPr>
-          <p:style>
-            <a:lnRef idx="2">
-              <a:schemeClr val="accent1">
-                <a:shade val="50000"/>
-              </a:schemeClr>
-            </a:lnRef>
-            <a:fillRef idx="1">
-              <a:schemeClr val="accent1"/>
-            </a:fillRef>
-            <a:effectRef idx="0">
-              <a:schemeClr val="accent1"/>
-            </a:effectRef>
-            <a:fontRef idx="minor">
-              <a:schemeClr val="lt1"/>
-            </a:fontRef>
-          </p:style>
-          <p:txBody>
-            <a:bodyPr rtlCol="0" anchor="ctr"/>
-            <a:lstStyle/>
-            <a:p>
-              <a:pPr algn="ctr"/>
-              <a:endParaRPr lang="en-US">
-                <a:solidFill>
-                  <a:schemeClr val="tx1"/>
-                </a:solidFill>
-              </a:endParaRPr>
-            </a:p>
-          </p:txBody>
-        </p:sp>
-      </p:grpSp>
-      <p:grpSp>
-        <p:nvGrpSpPr>
-          <p:cNvPr id="14" name="Group 13">
-            <a:extLst>
-              <a:ext uri="{FF2B5EF4-FFF2-40B4-BE49-F238E27FC236}">
-                <a16:creationId xmlns:a16="http://schemas.microsoft.com/office/drawing/2014/main" id="{12A24D6B-9DC3-45F7-81AD-33757E0D0E7B}"/>
-              </a:ext>
-            </a:extLst>
-          </p:cNvPr>
-          <p:cNvGrpSpPr/>
+          <a:prstGeom prst="rect">
+            <a:avLst/>
+          </a:prstGeom>
+          <a:solidFill>
+            <a:schemeClr val="bg1">
+              <a:lumMod val="85000"/>
+            </a:schemeClr>
+          </a:solidFill>
+        </p:spPr>
+      </p:pic>
+      <p:pic>
+        <p:nvPicPr>
+          <p:cNvPr id="9" name="Picture 8">
+            <a:extLst>
+              <a:ext uri="{FF2B5EF4-FFF2-40B4-BE49-F238E27FC236}">
+                <a16:creationId xmlns:a16="http://schemas.microsoft.com/office/drawing/2014/main" id="{E1BD2DCB-0D8E-4547-8E07-E7864C4574AA}"/>
+              </a:ext>
+            </a:extLst>
+          </p:cNvPr>
+          <p:cNvPicPr>
+            <a:picLocks noChangeAspect="1"/>
+          </p:cNvPicPr>
           <p:nvPr/>
-        </p:nvGrpSpPr>
-        <p:grpSpPr>
+        </p:nvPicPr>
+        <p:blipFill rotWithShape="1">
+          <a:blip r:embed="rId3">
+            <a:extLst>
+              <a:ext uri="{28A0092B-C50C-407E-A947-70E740481C1C}">
+                <a14:useLocalDpi xmlns:a14="http://schemas.microsoft.com/office/drawing/2010/main" val="0"/>
+              </a:ext>
+            </a:extLst>
+          </a:blip>
+          <a:srcRect l="25909" t="38342" r="6508" b="-1151"/>
+          <a:stretch/>
+        </p:blipFill>
+        <p:spPr>
           <a:xfrm>
-            <a:off x="3534748" y="-1319505"/>
-            <a:ext cx="5122507" cy="8177505"/>
-            <a:chOff x="5197149" y="-1435619"/>
-            <a:chExt cx="5122507" cy="8177505"/>
+            <a:off x="4046220" y="1049839"/>
+            <a:ext cx="3756660" cy="5091881"/>
           </a:xfrm>
-        </p:grpSpPr>
-        <p:pic>
-          <p:nvPicPr>
-            <p:cNvPr id="9" name="Picture 8">
-              <a:extLst>
-                <a:ext uri="{FF2B5EF4-FFF2-40B4-BE49-F238E27FC236}">
-                  <a16:creationId xmlns:a16="http://schemas.microsoft.com/office/drawing/2014/main" id="{E1BD2DCB-0D8E-4547-8E07-E7864C4574AA}"/>
-                </a:ext>
-              </a:extLst>
-            </p:cNvPr>
-            <p:cNvPicPr>
-              <a:picLocks noChangeAspect="1"/>
-            </p:cNvPicPr>
-            <p:nvPr/>
-          </p:nvPicPr>
-          <p:blipFill rotWithShape="1">
-            <a:blip r:embed="rId3">
-              <a:extLst>
-                <a:ext uri="{28A0092B-C50C-407E-A947-70E740481C1C}">
-                  <a14:useLocalDpi xmlns:a14="http://schemas.microsoft.com/office/drawing/2010/main" val="0"/>
-                </a:ext>
-              </a:extLst>
-            </a:blip>
-            <a:srcRect l="38542" t="38341" r="15376" b="18183"/>
-            <a:stretch/>
-          </p:blipFill>
-          <p:spPr>
-            <a:xfrm>
-              <a:off x="5197149" y="-1435619"/>
-              <a:ext cx="5122507" cy="7048501"/>
-            </a:xfrm>
-            <a:prstGeom prst="rect">
-              <a:avLst/>
-            </a:prstGeom>
-          </p:spPr>
-        </p:pic>
-        <p:sp>
-          <p:nvSpPr>
-            <p:cNvPr id="10" name="Frame 9">
-              <a:extLst>
-                <a:ext uri="{FF2B5EF4-FFF2-40B4-BE49-F238E27FC236}">
-                  <a16:creationId xmlns:a16="http://schemas.microsoft.com/office/drawing/2014/main" id="{94F47A44-C56D-4533-855B-86A244B619A3}"/>
-                </a:ext>
-              </a:extLst>
-            </p:cNvPr>
-            <p:cNvSpPr/>
-            <p:nvPr/>
-          </p:nvSpPr>
-          <p:spPr>
-            <a:xfrm>
-              <a:off x="5197150" y="-116114"/>
-              <a:ext cx="4898571" cy="6858000"/>
-            </a:xfrm>
-            <a:prstGeom prst="frame">
-              <a:avLst>
-                <a:gd name="adj1" fmla="val 30759"/>
-              </a:avLst>
-            </a:prstGeom>
-            <a:solidFill>
-              <a:schemeClr val="bg1"/>
-            </a:solidFill>
-            <a:ln>
-              <a:noFill/>
-            </a:ln>
-          </p:spPr>
-          <p:style>
-            <a:lnRef idx="2">
-              <a:schemeClr val="accent1">
-                <a:shade val="50000"/>
-              </a:schemeClr>
-            </a:lnRef>
-            <a:fillRef idx="1">
-              <a:schemeClr val="accent1"/>
-            </a:fillRef>
-            <a:effectRef idx="0">
-              <a:schemeClr val="accent1"/>
-            </a:effectRef>
-            <a:fontRef idx="minor">
-              <a:schemeClr val="lt1"/>
-            </a:fontRef>
-          </p:style>
-          <p:txBody>
-            <a:bodyPr rtlCol="0" anchor="ctr"/>
-            <a:lstStyle/>
-            <a:p>
-              <a:pPr algn="ctr"/>
-              <a:endParaRPr lang="en-US" dirty="0">
-                <a:solidFill>
-                  <a:schemeClr val="tx1"/>
-                </a:solidFill>
-              </a:endParaRPr>
-            </a:p>
-          </p:txBody>
-        </p:sp>
-      </p:grpSp>
-      <p:grpSp>
-        <p:nvGrpSpPr>
-          <p:cNvPr id="15" name="Group 14">
-            <a:extLst>
-              <a:ext uri="{FF2B5EF4-FFF2-40B4-BE49-F238E27FC236}">
-                <a16:creationId xmlns:a16="http://schemas.microsoft.com/office/drawing/2014/main" id="{0C836FC4-9F83-4BE3-9BCE-1663DD4C806E}"/>
-              </a:ext>
-            </a:extLst>
-          </p:cNvPr>
-          <p:cNvGrpSpPr/>
+          <a:prstGeom prst="rect">
+            <a:avLst/>
+          </a:prstGeom>
+        </p:spPr>
+      </p:pic>
+      <p:pic>
+        <p:nvPicPr>
+          <p:cNvPr id="16" name="Picture 15">
+            <a:extLst>
+              <a:ext uri="{FF2B5EF4-FFF2-40B4-BE49-F238E27FC236}">
+                <a16:creationId xmlns:a16="http://schemas.microsoft.com/office/drawing/2014/main" id="{EB93A133-76F3-47E9-BED0-88D3D839369B}"/>
+              </a:ext>
+            </a:extLst>
+          </p:cNvPr>
+          <p:cNvPicPr>
+            <a:picLocks noChangeAspect="1"/>
+          </p:cNvPicPr>
           <p:nvPr/>
-        </p:nvGrpSpPr>
-        <p:grpSpPr>
+        </p:nvPicPr>
+        <p:blipFill rotWithShape="1">
+          <a:blip r:embed="rId4">
+            <a:extLst>
+              <a:ext uri="{28A0092B-C50C-407E-A947-70E740481C1C}">
+                <a14:useLocalDpi xmlns:a14="http://schemas.microsoft.com/office/drawing/2010/main" val="0"/>
+              </a:ext>
+            </a:extLst>
+          </a:blip>
+          <a:srcRect l="13486" t="55890" r="39836" b="4406"/>
+          <a:stretch/>
+        </p:blipFill>
+        <p:spPr>
           <a:xfrm>
-            <a:off x="7293432" y="-1129004"/>
-            <a:ext cx="7256107" cy="7987004"/>
-            <a:chOff x="4935893" y="0"/>
-            <a:chExt cx="7256107" cy="7987004"/>
+            <a:off x="8499608" y="1164617"/>
+            <a:ext cx="3628508" cy="3994145"/>
           </a:xfrm>
-        </p:grpSpPr>
-        <p:pic>
-          <p:nvPicPr>
-            <p:cNvPr id="16" name="Picture 15">
-              <a:extLst>
-                <a:ext uri="{FF2B5EF4-FFF2-40B4-BE49-F238E27FC236}">
-                  <a16:creationId xmlns:a16="http://schemas.microsoft.com/office/drawing/2014/main" id="{EB93A133-76F3-47E9-BED0-88D3D839369B}"/>
-                </a:ext>
-              </a:extLst>
-            </p:cNvPr>
-            <p:cNvPicPr>
-              <a:picLocks noChangeAspect="1"/>
-            </p:cNvPicPr>
-            <p:nvPr/>
-          </p:nvPicPr>
-          <p:blipFill rotWithShape="1">
-            <a:blip r:embed="rId4">
-              <a:extLst>
-                <a:ext uri="{28A0092B-C50C-407E-A947-70E740481C1C}">
-                  <a14:useLocalDpi xmlns:a14="http://schemas.microsoft.com/office/drawing/2010/main" val="0"/>
-                </a:ext>
-              </a:extLst>
-            </a:blip>
-            <a:srcRect l="13486" t="55890" r="39836" b="4406"/>
-            <a:stretch/>
-          </p:blipFill>
-          <p:spPr>
-            <a:xfrm>
-              <a:off x="4935893" y="0"/>
-              <a:ext cx="7256107" cy="7987004"/>
-            </a:xfrm>
-            <a:prstGeom prst="rect">
-              <a:avLst/>
-            </a:prstGeom>
-          </p:spPr>
-        </p:pic>
-        <p:sp>
-          <p:nvSpPr>
-            <p:cNvPr id="17" name="Frame 16">
-              <a:extLst>
-                <a:ext uri="{FF2B5EF4-FFF2-40B4-BE49-F238E27FC236}">
-                  <a16:creationId xmlns:a16="http://schemas.microsoft.com/office/drawing/2014/main" id="{863DF6BA-9BE4-443C-95FE-67DBF82F434D}"/>
-                </a:ext>
-              </a:extLst>
-            </p:cNvPr>
-            <p:cNvSpPr/>
-            <p:nvPr/>
-          </p:nvSpPr>
-          <p:spPr>
-            <a:xfrm>
-              <a:off x="4935893" y="1129004"/>
-              <a:ext cx="4898571" cy="6858000"/>
-            </a:xfrm>
-            <a:prstGeom prst="frame">
-              <a:avLst>
-                <a:gd name="adj1" fmla="val 30759"/>
-              </a:avLst>
-            </a:prstGeom>
-            <a:solidFill>
-              <a:schemeClr val="bg1"/>
-            </a:solidFill>
-            <a:ln>
-              <a:noFill/>
-            </a:ln>
-          </p:spPr>
-          <p:style>
-            <a:lnRef idx="2">
-              <a:schemeClr val="accent1">
-                <a:shade val="50000"/>
-              </a:schemeClr>
-            </a:lnRef>
-            <a:fillRef idx="1">
-              <a:schemeClr val="accent1"/>
-            </a:fillRef>
-            <a:effectRef idx="0">
-              <a:schemeClr val="accent1"/>
-            </a:effectRef>
-            <a:fontRef idx="minor">
-              <a:schemeClr val="lt1"/>
-            </a:fontRef>
-          </p:style>
-          <p:txBody>
-            <a:bodyPr rtlCol="0" anchor="ctr"/>
-            <a:lstStyle/>
-            <a:p>
-              <a:pPr algn="ctr"/>
-              <a:endParaRPr lang="en-US" dirty="0">
-                <a:solidFill>
-                  <a:schemeClr val="tx1"/>
-                </a:solidFill>
-              </a:endParaRPr>
-            </a:p>
-          </p:txBody>
-        </p:sp>
-      </p:grpSp>
+          <a:prstGeom prst="rect">
+            <a:avLst/>
+          </a:prstGeom>
+        </p:spPr>
+      </p:pic>
       <p:grpSp>
         <p:nvGrpSpPr>
           <p:cNvPr id="20" name="Group 19">
@@ -3829,7 +3633,7 @@
             </a:solidFill>
             <a:ln>
               <a:solidFill>
-                <a:srgbClr val="FFFF00"/>
+                <a:srgbClr val="6225DB"/>
               </a:solidFill>
             </a:ln>
           </p:spPr>
@@ -3881,7 +3685,7 @@
             <a:noFill/>
             <a:ln>
               <a:solidFill>
-                <a:srgbClr val="FFFF00"/>
+                <a:srgbClr val="6225DB"/>
               </a:solidFill>
             </a:ln>
           </p:spPr>
@@ -3956,7 +3760,7 @@
             </a:solidFill>
             <a:ln>
               <a:solidFill>
-                <a:srgbClr val="FFFF00"/>
+                <a:srgbClr val="6225DB"/>
               </a:solidFill>
             </a:ln>
           </p:spPr>
@@ -4010,7 +3814,7 @@
             <a:noFill/>
             <a:ln>
               <a:solidFill>
-                <a:srgbClr val="FFFF00"/>
+                <a:srgbClr val="6225DB"/>
               </a:solidFill>
             </a:ln>
           </p:spPr>
@@ -4040,6 +3844,59 @@
           </p:txBody>
         </p:sp>
       </p:grpSp>
+      <p:sp>
+        <p:nvSpPr>
+          <p:cNvPr id="31" name="Rectangle 30">
+            <a:extLst>
+              <a:ext uri="{FF2B5EF4-FFF2-40B4-BE49-F238E27FC236}">
+                <a16:creationId xmlns:a16="http://schemas.microsoft.com/office/drawing/2014/main" id="{53DCD668-5AB1-423F-AEA6-A01A942B5EF8}"/>
+              </a:ext>
+            </a:extLst>
+          </p:cNvPr>
+          <p:cNvSpPr/>
+          <p:nvPr/>
+        </p:nvSpPr>
+        <p:spPr>
+          <a:xfrm>
+            <a:off x="5973631" y="3444907"/>
+            <a:ext cx="1362792" cy="2066544"/>
+          </a:xfrm>
+          <a:prstGeom prst="rect">
+            <a:avLst/>
+          </a:prstGeom>
+          <a:noFill/>
+          <a:ln w="28575">
+            <a:solidFill>
+              <a:srgbClr val="9E8FD7"/>
+            </a:solidFill>
+            <a:prstDash val="dash"/>
+          </a:ln>
+        </p:spPr>
+        <p:style>
+          <a:lnRef idx="2">
+            <a:schemeClr val="accent1">
+              <a:shade val="50000"/>
+            </a:schemeClr>
+          </a:lnRef>
+          <a:fillRef idx="1">
+            <a:schemeClr val="accent1"/>
+          </a:fillRef>
+          <a:effectRef idx="0">
+            <a:schemeClr val="accent1"/>
+          </a:effectRef>
+          <a:fontRef idx="minor">
+            <a:schemeClr val="lt1"/>
+          </a:fontRef>
+        </p:style>
+        <p:txBody>
+          <a:bodyPr rtlCol="0" anchor="ctr"/>
+          <a:lstStyle/>
+          <a:p>
+            <a:pPr algn="ctr"/>
+            <a:endParaRPr lang="en-US"/>
+          </a:p>
+        </p:txBody>
+      </p:sp>
       <p:grpSp>
         <p:nvGrpSpPr>
           <p:cNvPr id="28" name="Group 27">
@@ -4085,7 +3942,7 @@
             </a:solidFill>
             <a:ln>
               <a:solidFill>
-                <a:srgbClr val="FFFF00"/>
+                <a:srgbClr val="6225DB"/>
               </a:solidFill>
             </a:ln>
           </p:spPr>
@@ -4139,7 +3996,7 @@
             <a:noFill/>
             <a:ln>
               <a:solidFill>
-                <a:srgbClr val="FFFF00"/>
+                <a:srgbClr val="6225DB"/>
               </a:solidFill>
             </a:ln>
           </p:spPr>
@@ -4169,6 +4026,292 @@
           </p:txBody>
         </p:sp>
       </p:grpSp>
+      <p:sp>
+        <p:nvSpPr>
+          <p:cNvPr id="10" name="Frame 9">
+            <a:extLst>
+              <a:ext uri="{FF2B5EF4-FFF2-40B4-BE49-F238E27FC236}">
+                <a16:creationId xmlns:a16="http://schemas.microsoft.com/office/drawing/2014/main" id="{94F47A44-C56D-4533-855B-86A244B619A3}"/>
+              </a:ext>
+            </a:extLst>
+          </p:cNvPr>
+          <p:cNvSpPr/>
+          <p:nvPr/>
+        </p:nvSpPr>
+        <p:spPr>
+          <a:xfrm>
+            <a:off x="3534749" y="0"/>
+            <a:ext cx="4898571" cy="6858000"/>
+          </a:xfrm>
+          <a:prstGeom prst="frame">
+            <a:avLst>
+              <a:gd name="adj1" fmla="val 30759"/>
+            </a:avLst>
+          </a:prstGeom>
+          <a:solidFill>
+            <a:schemeClr val="bg1">
+              <a:lumMod val="85000"/>
+            </a:schemeClr>
+          </a:solidFill>
+          <a:ln>
+            <a:noFill/>
+          </a:ln>
+        </p:spPr>
+        <p:style>
+          <a:lnRef idx="2">
+            <a:schemeClr val="accent1">
+              <a:shade val="50000"/>
+            </a:schemeClr>
+          </a:lnRef>
+          <a:fillRef idx="1">
+            <a:schemeClr val="accent1"/>
+          </a:fillRef>
+          <a:effectRef idx="0">
+            <a:schemeClr val="accent1"/>
+          </a:effectRef>
+          <a:fontRef idx="minor">
+            <a:schemeClr val="lt1"/>
+          </a:fontRef>
+        </p:style>
+        <p:txBody>
+          <a:bodyPr rtlCol="0" anchor="ctr"/>
+          <a:lstStyle/>
+          <a:p>
+            <a:pPr algn="ctr"/>
+            <a:endParaRPr lang="en-US" dirty="0">
+              <a:solidFill>
+                <a:schemeClr val="tx1"/>
+              </a:solidFill>
+            </a:endParaRPr>
+          </a:p>
+        </p:txBody>
+      </p:sp>
+      <p:sp>
+        <p:nvSpPr>
+          <p:cNvPr id="32" name="Rectangle 31">
+            <a:extLst>
+              <a:ext uri="{FF2B5EF4-FFF2-40B4-BE49-F238E27FC236}">
+                <a16:creationId xmlns:a16="http://schemas.microsoft.com/office/drawing/2014/main" id="{081C52F8-55A5-436F-AA8A-E18412E4E636}"/>
+              </a:ext>
+            </a:extLst>
+          </p:cNvPr>
+          <p:cNvSpPr/>
+          <p:nvPr/>
+        </p:nvSpPr>
+        <p:spPr>
+          <a:xfrm>
+            <a:off x="8354141" y="3460813"/>
+            <a:ext cx="1362792" cy="2066544"/>
+          </a:xfrm>
+          <a:prstGeom prst="rect">
+            <a:avLst/>
+          </a:prstGeom>
+          <a:noFill/>
+          <a:ln w="28575">
+            <a:solidFill>
+              <a:srgbClr val="9E8FD7"/>
+            </a:solidFill>
+            <a:prstDash val="dash"/>
+          </a:ln>
+        </p:spPr>
+        <p:style>
+          <a:lnRef idx="2">
+            <a:schemeClr val="accent1">
+              <a:shade val="50000"/>
+            </a:schemeClr>
+          </a:lnRef>
+          <a:fillRef idx="1">
+            <a:schemeClr val="accent1"/>
+          </a:fillRef>
+          <a:effectRef idx="0">
+            <a:schemeClr val="accent1"/>
+          </a:effectRef>
+          <a:fontRef idx="minor">
+            <a:schemeClr val="lt1"/>
+          </a:fontRef>
+        </p:style>
+        <p:txBody>
+          <a:bodyPr rtlCol="0" anchor="ctr"/>
+          <a:lstStyle/>
+          <a:p>
+            <a:pPr algn="ctr"/>
+            <a:endParaRPr lang="en-US"/>
+          </a:p>
+        </p:txBody>
+      </p:sp>
+      <p:sp>
+        <p:nvSpPr>
+          <p:cNvPr id="17" name="Frame 16">
+            <a:extLst>
+              <a:ext uri="{FF2B5EF4-FFF2-40B4-BE49-F238E27FC236}">
+                <a16:creationId xmlns:a16="http://schemas.microsoft.com/office/drawing/2014/main" id="{863DF6BA-9BE4-443C-95FE-67DBF82F434D}"/>
+              </a:ext>
+            </a:extLst>
+          </p:cNvPr>
+          <p:cNvSpPr/>
+          <p:nvPr/>
+        </p:nvSpPr>
+        <p:spPr>
+          <a:xfrm>
+            <a:off x="7293432" y="0"/>
+            <a:ext cx="4898571" cy="6858000"/>
+          </a:xfrm>
+          <a:prstGeom prst="frame">
+            <a:avLst>
+              <a:gd name="adj1" fmla="val 30759"/>
+            </a:avLst>
+          </a:prstGeom>
+          <a:solidFill>
+            <a:schemeClr val="bg1">
+              <a:lumMod val="85000"/>
+            </a:schemeClr>
+          </a:solidFill>
+          <a:ln>
+            <a:noFill/>
+          </a:ln>
+        </p:spPr>
+        <p:style>
+          <a:lnRef idx="2">
+            <a:schemeClr val="accent1">
+              <a:shade val="50000"/>
+            </a:schemeClr>
+          </a:lnRef>
+          <a:fillRef idx="1">
+            <a:schemeClr val="accent1"/>
+          </a:fillRef>
+          <a:effectRef idx="0">
+            <a:schemeClr val="accent1"/>
+          </a:effectRef>
+          <a:fontRef idx="minor">
+            <a:schemeClr val="lt1"/>
+          </a:fontRef>
+        </p:style>
+        <p:txBody>
+          <a:bodyPr rtlCol="0" anchor="ctr"/>
+          <a:lstStyle/>
+          <a:p>
+            <a:pPr algn="ctr"/>
+            <a:endParaRPr lang="en-US" dirty="0">
+              <a:solidFill>
+                <a:schemeClr val="tx1"/>
+              </a:solidFill>
+            </a:endParaRPr>
+          </a:p>
+        </p:txBody>
+      </p:sp>
+      <p:sp>
+        <p:nvSpPr>
+          <p:cNvPr id="33" name="Rectangle 32">
+            <a:extLst>
+              <a:ext uri="{FF2B5EF4-FFF2-40B4-BE49-F238E27FC236}">
+                <a16:creationId xmlns:a16="http://schemas.microsoft.com/office/drawing/2014/main" id="{DE4C7DD8-6E30-401D-9D1B-88A263E72AB2}"/>
+              </a:ext>
+            </a:extLst>
+          </p:cNvPr>
+          <p:cNvSpPr/>
+          <p:nvPr/>
+        </p:nvSpPr>
+        <p:spPr>
+          <a:xfrm>
+            <a:off x="2297849" y="3412046"/>
+            <a:ext cx="1362792" cy="2066544"/>
+          </a:xfrm>
+          <a:prstGeom prst="rect">
+            <a:avLst/>
+          </a:prstGeom>
+          <a:noFill/>
+          <a:ln w="28575">
+            <a:solidFill>
+              <a:srgbClr val="9E8FD7"/>
+            </a:solidFill>
+            <a:prstDash val="dash"/>
+          </a:ln>
+        </p:spPr>
+        <p:style>
+          <a:lnRef idx="2">
+            <a:schemeClr val="accent1">
+              <a:shade val="50000"/>
+            </a:schemeClr>
+          </a:lnRef>
+          <a:fillRef idx="1">
+            <a:schemeClr val="accent1"/>
+          </a:fillRef>
+          <a:effectRef idx="0">
+            <a:schemeClr val="accent1"/>
+          </a:effectRef>
+          <a:fontRef idx="minor">
+            <a:schemeClr val="lt1"/>
+          </a:fontRef>
+        </p:style>
+        <p:txBody>
+          <a:bodyPr rtlCol="0" anchor="ctr"/>
+          <a:lstStyle/>
+          <a:p>
+            <a:pPr algn="ctr"/>
+            <a:endParaRPr lang="en-US"/>
+          </a:p>
+        </p:txBody>
+      </p:sp>
+      <p:sp>
+        <p:nvSpPr>
+          <p:cNvPr id="6" name="Frame 5">
+            <a:extLst>
+              <a:ext uri="{FF2B5EF4-FFF2-40B4-BE49-F238E27FC236}">
+                <a16:creationId xmlns:a16="http://schemas.microsoft.com/office/drawing/2014/main" id="{227303C8-9782-4DB1-8FAD-2983C6774C46}"/>
+              </a:ext>
+            </a:extLst>
+          </p:cNvPr>
+          <p:cNvSpPr/>
+          <p:nvPr/>
+        </p:nvSpPr>
+        <p:spPr>
+          <a:xfrm>
+            <a:off x="-133734" y="0"/>
+            <a:ext cx="4898571" cy="6858000"/>
+          </a:xfrm>
+          <a:prstGeom prst="frame">
+            <a:avLst>
+              <a:gd name="adj1" fmla="val 30759"/>
+            </a:avLst>
+          </a:prstGeom>
+          <a:solidFill>
+            <a:schemeClr val="bg1">
+              <a:lumMod val="85000"/>
+            </a:schemeClr>
+          </a:solidFill>
+          <a:ln>
+            <a:noFill/>
+          </a:ln>
+        </p:spPr>
+        <p:style>
+          <a:lnRef idx="2">
+            <a:schemeClr val="accent1">
+              <a:shade val="50000"/>
+            </a:schemeClr>
+          </a:lnRef>
+          <a:fillRef idx="1">
+            <a:schemeClr val="accent1"/>
+          </a:fillRef>
+          <a:effectRef idx="0">
+            <a:schemeClr val="accent1"/>
+          </a:effectRef>
+          <a:fontRef idx="minor">
+            <a:schemeClr val="lt1"/>
+          </a:fontRef>
+        </p:style>
+        <p:txBody>
+          <a:bodyPr rtlCol="0" anchor="ctr"/>
+          <a:lstStyle/>
+          <a:p>
+            <a:pPr algn="ctr"/>
+            <a:endParaRPr lang="en-US" dirty="0">
+              <a:solidFill>
+                <a:schemeClr val="tx1"/>
+              </a:solidFill>
+            </a:endParaRPr>
+          </a:p>
+        </p:txBody>
+      </p:sp>
     </p:spTree>
     <p:extLst>
       <p:ext uri="{BB962C8B-B14F-4D97-AF65-F5344CB8AC3E}">

--- a/info/typical views.pptx
+++ b/info/typical views.pptx
@@ -108,6 +108,11 @@
       </a:defRPr>
     </a:lvl9pPr>
   </p:defaultTextStyle>
+  <p:extLst>
+    <p:ext uri="{EFAFB233-063F-42B5-8137-9DF3F51BA10A}">
+      <p15:sldGuideLst xmlns:p15="http://schemas.microsoft.com/office/powerpoint/2012/main"/>
+    </p:ext>
+  </p:extLst>
 </p:presentation>
 </file>
 
@@ -258,7 +263,7 @@
           <a:p>
             <a:fld id="{8164E0D0-1974-4A45-A01F-0349FB573550}" type="datetimeFigureOut">
               <a:rPr lang="en-US" smtClean="0"/>
-              <a:t>12/15/2024</a:t>
+              <a:t>12/16/2024</a:t>
             </a:fld>
             <a:endParaRPr lang="en-US"/>
           </a:p>
@@ -456,7 +461,7 @@
           <a:p>
             <a:fld id="{8164E0D0-1974-4A45-A01F-0349FB573550}" type="datetimeFigureOut">
               <a:rPr lang="en-US" smtClean="0"/>
-              <a:t>12/15/2024</a:t>
+              <a:t>12/16/2024</a:t>
             </a:fld>
             <a:endParaRPr lang="en-US"/>
           </a:p>
@@ -664,7 +669,7 @@
           <a:p>
             <a:fld id="{8164E0D0-1974-4A45-A01F-0349FB573550}" type="datetimeFigureOut">
               <a:rPr lang="en-US" smtClean="0"/>
-              <a:t>12/15/2024</a:t>
+              <a:t>12/16/2024</a:t>
             </a:fld>
             <a:endParaRPr lang="en-US"/>
           </a:p>
@@ -862,7 +867,7 @@
           <a:p>
             <a:fld id="{8164E0D0-1974-4A45-A01F-0349FB573550}" type="datetimeFigureOut">
               <a:rPr lang="en-US" smtClean="0"/>
-              <a:t>12/15/2024</a:t>
+              <a:t>12/16/2024</a:t>
             </a:fld>
             <a:endParaRPr lang="en-US"/>
           </a:p>
@@ -1137,7 +1142,7 @@
           <a:p>
             <a:fld id="{8164E0D0-1974-4A45-A01F-0349FB573550}" type="datetimeFigureOut">
               <a:rPr lang="en-US" smtClean="0"/>
-              <a:t>12/15/2024</a:t>
+              <a:t>12/16/2024</a:t>
             </a:fld>
             <a:endParaRPr lang="en-US"/>
           </a:p>
@@ -1402,7 +1407,7 @@
           <a:p>
             <a:fld id="{8164E0D0-1974-4A45-A01F-0349FB573550}" type="datetimeFigureOut">
               <a:rPr lang="en-US" smtClean="0"/>
-              <a:t>12/15/2024</a:t>
+              <a:t>12/16/2024</a:t>
             </a:fld>
             <a:endParaRPr lang="en-US"/>
           </a:p>
@@ -1814,7 +1819,7 @@
           <a:p>
             <a:fld id="{8164E0D0-1974-4A45-A01F-0349FB573550}" type="datetimeFigureOut">
               <a:rPr lang="en-US" smtClean="0"/>
-              <a:t>12/15/2024</a:t>
+              <a:t>12/16/2024</a:t>
             </a:fld>
             <a:endParaRPr lang="en-US"/>
           </a:p>
@@ -1955,7 +1960,7 @@
           <a:p>
             <a:fld id="{8164E0D0-1974-4A45-A01F-0349FB573550}" type="datetimeFigureOut">
               <a:rPr lang="en-US" smtClean="0"/>
-              <a:t>12/15/2024</a:t>
+              <a:t>12/16/2024</a:t>
             </a:fld>
             <a:endParaRPr lang="en-US"/>
           </a:p>
@@ -2068,7 +2073,7 @@
           <a:p>
             <a:fld id="{8164E0D0-1974-4A45-A01F-0349FB573550}" type="datetimeFigureOut">
               <a:rPr lang="en-US" smtClean="0"/>
-              <a:t>12/15/2024</a:t>
+              <a:t>12/16/2024</a:t>
             </a:fld>
             <a:endParaRPr lang="en-US"/>
           </a:p>
@@ -2379,7 +2384,7 @@
           <a:p>
             <a:fld id="{8164E0D0-1974-4A45-A01F-0349FB573550}" type="datetimeFigureOut">
               <a:rPr lang="en-US" smtClean="0"/>
-              <a:t>12/15/2024</a:t>
+              <a:t>12/16/2024</a:t>
             </a:fld>
             <a:endParaRPr lang="en-US"/>
           </a:p>
@@ -2667,7 +2672,7 @@
           <a:p>
             <a:fld id="{8164E0D0-1974-4A45-A01F-0349FB573550}" type="datetimeFigureOut">
               <a:rPr lang="en-US" smtClean="0"/>
-              <a:t>12/15/2024</a:t>
+              <a:t>12/16/2024</a:t>
             </a:fld>
             <a:endParaRPr lang="en-US"/>
           </a:p>
@@ -2908,7 +2913,7 @@
           <a:p>
             <a:fld id="{8164E0D0-1974-4A45-A01F-0349FB573550}" type="datetimeFigureOut">
               <a:rPr lang="en-US" smtClean="0"/>
-              <a:t>12/15/2024</a:t>
+              <a:t>12/16/2024</a:t>
             </a:fld>
             <a:endParaRPr lang="en-US"/>
           </a:p>
@@ -3380,6 +3385,1200 @@
           </a:p>
         </p:txBody>
       </p:sp>
+      <p:sp>
+        <p:nvSpPr>
+          <p:cNvPr id="5" name="Star: 5 Points 4">
+            <a:extLst>
+              <a:ext uri="{FF2B5EF4-FFF2-40B4-BE49-F238E27FC236}">
+                <a16:creationId xmlns:a16="http://schemas.microsoft.com/office/drawing/2014/main" id="{513DF8AF-EB76-41DE-94F1-D99C97F9389F}"/>
+              </a:ext>
+            </a:extLst>
+          </p:cNvPr>
+          <p:cNvSpPr>
+            <a:spLocks noChangeAspect="1"/>
+          </p:cNvSpPr>
+          <p:nvPr/>
+        </p:nvSpPr>
+        <p:spPr>
+          <a:xfrm>
+            <a:off x="5071835" y="317500"/>
+            <a:ext cx="914400" cy="914400"/>
+          </a:xfrm>
+          <a:prstGeom prst="star5">
+            <a:avLst>
+              <a:gd name="adj" fmla="val 15329"/>
+              <a:gd name="hf" fmla="val 105146"/>
+              <a:gd name="vf" fmla="val 110557"/>
+            </a:avLst>
+          </a:prstGeom>
+        </p:spPr>
+        <p:style>
+          <a:lnRef idx="2">
+            <a:schemeClr val="dk1">
+              <a:shade val="50000"/>
+            </a:schemeClr>
+          </a:lnRef>
+          <a:fillRef idx="1">
+            <a:schemeClr val="dk1"/>
+          </a:fillRef>
+          <a:effectRef idx="0">
+            <a:schemeClr val="dk1"/>
+          </a:effectRef>
+          <a:fontRef idx="minor">
+            <a:schemeClr val="lt1"/>
+          </a:fontRef>
+        </p:style>
+        <p:txBody>
+          <a:bodyPr rtlCol="0" anchor="ctr"/>
+          <a:lstStyle/>
+          <a:p>
+            <a:pPr algn="ctr"/>
+            <a:endParaRPr lang="en-US"/>
+          </a:p>
+        </p:txBody>
+      </p:sp>
+      <p:sp>
+        <p:nvSpPr>
+          <p:cNvPr id="6" name="Star: 5 Points 5">
+            <a:extLst>
+              <a:ext uri="{FF2B5EF4-FFF2-40B4-BE49-F238E27FC236}">
+                <a16:creationId xmlns:a16="http://schemas.microsoft.com/office/drawing/2014/main" id="{75EDAA7A-0D54-46C3-8BF3-48A9CC180DF0}"/>
+              </a:ext>
+            </a:extLst>
+          </p:cNvPr>
+          <p:cNvSpPr>
+            <a:spLocks noChangeAspect="1"/>
+          </p:cNvSpPr>
+          <p:nvPr/>
+        </p:nvSpPr>
+        <p:spPr>
+          <a:xfrm>
+            <a:off x="5986235" y="1022350"/>
+            <a:ext cx="685800" cy="685800"/>
+          </a:xfrm>
+          <a:prstGeom prst="star5">
+            <a:avLst>
+              <a:gd name="adj" fmla="val 15329"/>
+              <a:gd name="hf" fmla="val 105146"/>
+              <a:gd name="vf" fmla="val 110557"/>
+            </a:avLst>
+          </a:prstGeom>
+        </p:spPr>
+        <p:style>
+          <a:lnRef idx="2">
+            <a:schemeClr val="dk1">
+              <a:shade val="50000"/>
+            </a:schemeClr>
+          </a:lnRef>
+          <a:fillRef idx="1">
+            <a:schemeClr val="dk1"/>
+          </a:fillRef>
+          <a:effectRef idx="0">
+            <a:schemeClr val="dk1"/>
+          </a:effectRef>
+          <a:fontRef idx="minor">
+            <a:schemeClr val="lt1"/>
+          </a:fontRef>
+        </p:style>
+        <p:txBody>
+          <a:bodyPr rtlCol="0" anchor="ctr"/>
+          <a:lstStyle/>
+          <a:p>
+            <a:pPr algn="ctr"/>
+            <a:endParaRPr lang="en-US"/>
+          </a:p>
+        </p:txBody>
+      </p:sp>
+      <p:sp>
+        <p:nvSpPr>
+          <p:cNvPr id="7" name="Star: 5 Points 6">
+            <a:extLst>
+              <a:ext uri="{FF2B5EF4-FFF2-40B4-BE49-F238E27FC236}">
+                <a16:creationId xmlns:a16="http://schemas.microsoft.com/office/drawing/2014/main" id="{13A5CF70-9D15-4898-A118-0538B0186E0D}"/>
+              </a:ext>
+            </a:extLst>
+          </p:cNvPr>
+          <p:cNvSpPr>
+            <a:spLocks noChangeAspect="1"/>
+          </p:cNvSpPr>
+          <p:nvPr/>
+        </p:nvSpPr>
+        <p:spPr>
+          <a:xfrm>
+            <a:off x="6830790" y="1365250"/>
+            <a:ext cx="685800" cy="685800"/>
+          </a:xfrm>
+          <a:prstGeom prst="star5">
+            <a:avLst>
+              <a:gd name="adj" fmla="val 20354"/>
+              <a:gd name="hf" fmla="val 105146"/>
+              <a:gd name="vf" fmla="val 110557"/>
+            </a:avLst>
+          </a:prstGeom>
+        </p:spPr>
+        <p:style>
+          <a:lnRef idx="2">
+            <a:schemeClr val="dk1">
+              <a:shade val="50000"/>
+            </a:schemeClr>
+          </a:lnRef>
+          <a:fillRef idx="1">
+            <a:schemeClr val="dk1"/>
+          </a:fillRef>
+          <a:effectRef idx="0">
+            <a:schemeClr val="dk1"/>
+          </a:effectRef>
+          <a:fontRef idx="minor">
+            <a:schemeClr val="lt1"/>
+          </a:fontRef>
+        </p:style>
+        <p:txBody>
+          <a:bodyPr rtlCol="0" anchor="ctr"/>
+          <a:lstStyle/>
+          <a:p>
+            <a:pPr algn="ctr"/>
+            <a:endParaRPr lang="en-US"/>
+          </a:p>
+        </p:txBody>
+      </p:sp>
+      <p:grpSp>
+        <p:nvGrpSpPr>
+          <p:cNvPr id="20" name="Group 19">
+            <a:extLst>
+              <a:ext uri="{FF2B5EF4-FFF2-40B4-BE49-F238E27FC236}">
+                <a16:creationId xmlns:a16="http://schemas.microsoft.com/office/drawing/2014/main" id="{6449961F-3670-4355-8D85-8F60DB2673CF}"/>
+              </a:ext>
+            </a:extLst>
+          </p:cNvPr>
+          <p:cNvGrpSpPr/>
+          <p:nvPr/>
+        </p:nvGrpSpPr>
+        <p:grpSpPr>
+          <a:xfrm>
+            <a:off x="5168900" y="2184400"/>
+            <a:ext cx="2743200" cy="2743200"/>
+            <a:chOff x="5168900" y="2184400"/>
+            <a:chExt cx="2743200" cy="2743200"/>
+          </a:xfrm>
+        </p:grpSpPr>
+        <p:sp>
+          <p:nvSpPr>
+            <p:cNvPr id="2" name="Oval 1">
+              <a:extLst>
+                <a:ext uri="{FF2B5EF4-FFF2-40B4-BE49-F238E27FC236}">
+                  <a16:creationId xmlns:a16="http://schemas.microsoft.com/office/drawing/2014/main" id="{940E017A-C1BE-4D44-82C5-51AACF010985}"/>
+                </a:ext>
+              </a:extLst>
+            </p:cNvPr>
+            <p:cNvSpPr/>
+            <p:nvPr/>
+          </p:nvSpPr>
+          <p:spPr>
+            <a:xfrm>
+              <a:off x="5168900" y="2184400"/>
+              <a:ext cx="2743200" cy="2743200"/>
+            </a:xfrm>
+            <a:prstGeom prst="ellipse">
+              <a:avLst/>
+            </a:prstGeom>
+          </p:spPr>
+          <p:style>
+            <a:lnRef idx="2">
+              <a:schemeClr val="accent3">
+                <a:shade val="50000"/>
+              </a:schemeClr>
+            </a:lnRef>
+            <a:fillRef idx="1">
+              <a:schemeClr val="accent3"/>
+            </a:fillRef>
+            <a:effectRef idx="0">
+              <a:schemeClr val="accent3"/>
+            </a:effectRef>
+            <a:fontRef idx="minor">
+              <a:schemeClr val="lt1"/>
+            </a:fontRef>
+          </p:style>
+          <p:txBody>
+            <a:bodyPr rtlCol="0" anchor="ctr"/>
+            <a:lstStyle/>
+            <a:p>
+              <a:pPr algn="ctr"/>
+              <a:endParaRPr lang="en-US"/>
+            </a:p>
+          </p:txBody>
+        </p:sp>
+        <p:sp>
+          <p:nvSpPr>
+            <p:cNvPr id="8" name="Star: 5 Points 7">
+              <a:extLst>
+                <a:ext uri="{FF2B5EF4-FFF2-40B4-BE49-F238E27FC236}">
+                  <a16:creationId xmlns:a16="http://schemas.microsoft.com/office/drawing/2014/main" id="{7ACE37CD-4E5D-4A4D-A1A9-4CACB511BCF1}"/>
+                </a:ext>
+              </a:extLst>
+            </p:cNvPr>
+            <p:cNvSpPr>
+              <a:spLocks noChangeAspect="1"/>
+            </p:cNvSpPr>
+            <p:nvPr/>
+          </p:nvSpPr>
+          <p:spPr>
+            <a:xfrm>
+              <a:off x="6197600" y="2184400"/>
+              <a:ext cx="685800" cy="685800"/>
+            </a:xfrm>
+            <a:prstGeom prst="star5">
+              <a:avLst>
+                <a:gd name="adj" fmla="val 20354"/>
+                <a:gd name="hf" fmla="val 105146"/>
+                <a:gd name="vf" fmla="val 110557"/>
+              </a:avLst>
+            </a:prstGeom>
+          </p:spPr>
+          <p:style>
+            <a:lnRef idx="2">
+              <a:schemeClr val="dk1">
+                <a:shade val="50000"/>
+              </a:schemeClr>
+            </a:lnRef>
+            <a:fillRef idx="1">
+              <a:schemeClr val="dk1"/>
+            </a:fillRef>
+            <a:effectRef idx="0">
+              <a:schemeClr val="dk1"/>
+            </a:effectRef>
+            <a:fontRef idx="minor">
+              <a:schemeClr val="lt1"/>
+            </a:fontRef>
+          </p:style>
+          <p:txBody>
+            <a:bodyPr rtlCol="0" anchor="ctr"/>
+            <a:lstStyle/>
+            <a:p>
+              <a:pPr algn="ctr"/>
+              <a:endParaRPr lang="en-US"/>
+            </a:p>
+          </p:txBody>
+        </p:sp>
+        <p:sp>
+          <p:nvSpPr>
+            <p:cNvPr id="19" name="Rectangle 18">
+              <a:extLst>
+                <a:ext uri="{FF2B5EF4-FFF2-40B4-BE49-F238E27FC236}">
+                  <a16:creationId xmlns:a16="http://schemas.microsoft.com/office/drawing/2014/main" id="{BD49081B-A9D9-490D-B42C-35DEBB4011FF}"/>
+                </a:ext>
+              </a:extLst>
+            </p:cNvPr>
+            <p:cNvSpPr/>
+            <p:nvPr/>
+          </p:nvSpPr>
+          <p:spPr>
+            <a:xfrm>
+              <a:off x="6479043" y="2801938"/>
+              <a:ext cx="122914" cy="2117724"/>
+            </a:xfrm>
+            <a:prstGeom prst="rect">
+              <a:avLst/>
+            </a:prstGeom>
+            <a:solidFill>
+              <a:schemeClr val="tx1"/>
+            </a:solidFill>
+            <a:ln>
+              <a:noFill/>
+            </a:ln>
+          </p:spPr>
+          <p:style>
+            <a:lnRef idx="2">
+              <a:schemeClr val="accent1">
+                <a:shade val="50000"/>
+              </a:schemeClr>
+            </a:lnRef>
+            <a:fillRef idx="1">
+              <a:schemeClr val="accent1"/>
+            </a:fillRef>
+            <a:effectRef idx="0">
+              <a:schemeClr val="accent1"/>
+            </a:effectRef>
+            <a:fontRef idx="minor">
+              <a:schemeClr val="lt1"/>
+            </a:fontRef>
+          </p:style>
+          <p:txBody>
+            <a:bodyPr rtlCol="0" anchor="ctr"/>
+            <a:lstStyle/>
+            <a:p>
+              <a:pPr algn="ctr"/>
+              <a:endParaRPr lang="en-US"/>
+            </a:p>
+          </p:txBody>
+        </p:sp>
+      </p:grpSp>
+      <p:grpSp>
+        <p:nvGrpSpPr>
+          <p:cNvPr id="21" name="Group 20">
+            <a:extLst>
+              <a:ext uri="{FF2B5EF4-FFF2-40B4-BE49-F238E27FC236}">
+                <a16:creationId xmlns:a16="http://schemas.microsoft.com/office/drawing/2014/main" id="{3CFC71C4-4FD6-4DFB-B522-6900749BF451}"/>
+              </a:ext>
+            </a:extLst>
+          </p:cNvPr>
+          <p:cNvGrpSpPr>
+            <a:grpSpLocks noChangeAspect="1"/>
+          </p:cNvGrpSpPr>
+          <p:nvPr/>
+        </p:nvGrpSpPr>
+        <p:grpSpPr>
+          <a:xfrm>
+            <a:off x="5858623" y="5715000"/>
+            <a:ext cx="685800" cy="685800"/>
+            <a:chOff x="5168900" y="2184400"/>
+            <a:chExt cx="2743200" cy="2743200"/>
+          </a:xfrm>
+        </p:grpSpPr>
+        <p:sp>
+          <p:nvSpPr>
+            <p:cNvPr id="22" name="Oval 21">
+              <a:extLst>
+                <a:ext uri="{FF2B5EF4-FFF2-40B4-BE49-F238E27FC236}">
+                  <a16:creationId xmlns:a16="http://schemas.microsoft.com/office/drawing/2014/main" id="{F0AC40D7-89DA-45F8-9E9B-AAEEC30D5CC7}"/>
+                </a:ext>
+              </a:extLst>
+            </p:cNvPr>
+            <p:cNvSpPr/>
+            <p:nvPr/>
+          </p:nvSpPr>
+          <p:spPr>
+            <a:xfrm>
+              <a:off x="5168900" y="2184400"/>
+              <a:ext cx="2743200" cy="2743200"/>
+            </a:xfrm>
+            <a:prstGeom prst="ellipse">
+              <a:avLst/>
+            </a:prstGeom>
+          </p:spPr>
+          <p:style>
+            <a:lnRef idx="2">
+              <a:schemeClr val="accent3">
+                <a:shade val="50000"/>
+              </a:schemeClr>
+            </a:lnRef>
+            <a:fillRef idx="1">
+              <a:schemeClr val="accent3"/>
+            </a:fillRef>
+            <a:effectRef idx="0">
+              <a:schemeClr val="accent3"/>
+            </a:effectRef>
+            <a:fontRef idx="minor">
+              <a:schemeClr val="lt1"/>
+            </a:fontRef>
+          </p:style>
+          <p:txBody>
+            <a:bodyPr rtlCol="0" anchor="ctr"/>
+            <a:lstStyle/>
+            <a:p>
+              <a:pPr algn="ctr"/>
+              <a:endParaRPr lang="en-US"/>
+            </a:p>
+          </p:txBody>
+        </p:sp>
+        <p:sp>
+          <p:nvSpPr>
+            <p:cNvPr id="23" name="Star: 5 Points 22">
+              <a:extLst>
+                <a:ext uri="{FF2B5EF4-FFF2-40B4-BE49-F238E27FC236}">
+                  <a16:creationId xmlns:a16="http://schemas.microsoft.com/office/drawing/2014/main" id="{D6A102DF-E502-4E2D-9450-2E29E76AD053}"/>
+                </a:ext>
+              </a:extLst>
+            </p:cNvPr>
+            <p:cNvSpPr>
+              <a:spLocks noChangeAspect="1"/>
+            </p:cNvSpPr>
+            <p:nvPr/>
+          </p:nvSpPr>
+          <p:spPr>
+            <a:xfrm>
+              <a:off x="6197600" y="2184400"/>
+              <a:ext cx="685800" cy="685800"/>
+            </a:xfrm>
+            <a:prstGeom prst="star5">
+              <a:avLst>
+                <a:gd name="adj" fmla="val 20354"/>
+                <a:gd name="hf" fmla="val 105146"/>
+                <a:gd name="vf" fmla="val 110557"/>
+              </a:avLst>
+            </a:prstGeom>
+          </p:spPr>
+          <p:style>
+            <a:lnRef idx="2">
+              <a:schemeClr val="dk1">
+                <a:shade val="50000"/>
+              </a:schemeClr>
+            </a:lnRef>
+            <a:fillRef idx="1">
+              <a:schemeClr val="dk1"/>
+            </a:fillRef>
+            <a:effectRef idx="0">
+              <a:schemeClr val="dk1"/>
+            </a:effectRef>
+            <a:fontRef idx="minor">
+              <a:schemeClr val="lt1"/>
+            </a:fontRef>
+          </p:style>
+          <p:txBody>
+            <a:bodyPr rtlCol="0" anchor="ctr"/>
+            <a:lstStyle/>
+            <a:p>
+              <a:pPr algn="ctr"/>
+              <a:endParaRPr lang="en-US"/>
+            </a:p>
+          </p:txBody>
+        </p:sp>
+        <p:sp>
+          <p:nvSpPr>
+            <p:cNvPr id="24" name="Rectangle 23">
+              <a:extLst>
+                <a:ext uri="{FF2B5EF4-FFF2-40B4-BE49-F238E27FC236}">
+                  <a16:creationId xmlns:a16="http://schemas.microsoft.com/office/drawing/2014/main" id="{A21DD0A9-312A-4A3A-BD8A-35C47891F601}"/>
+                </a:ext>
+              </a:extLst>
+            </p:cNvPr>
+            <p:cNvSpPr/>
+            <p:nvPr/>
+          </p:nvSpPr>
+          <p:spPr>
+            <a:xfrm>
+              <a:off x="6479043" y="2801938"/>
+              <a:ext cx="122914" cy="2117724"/>
+            </a:xfrm>
+            <a:prstGeom prst="rect">
+              <a:avLst/>
+            </a:prstGeom>
+            <a:solidFill>
+              <a:schemeClr val="tx1"/>
+            </a:solidFill>
+            <a:ln>
+              <a:noFill/>
+            </a:ln>
+          </p:spPr>
+          <p:style>
+            <a:lnRef idx="2">
+              <a:schemeClr val="accent1">
+                <a:shade val="50000"/>
+              </a:schemeClr>
+            </a:lnRef>
+            <a:fillRef idx="1">
+              <a:schemeClr val="accent1"/>
+            </a:fillRef>
+            <a:effectRef idx="0">
+              <a:schemeClr val="accent1"/>
+            </a:effectRef>
+            <a:fontRef idx="minor">
+              <a:schemeClr val="lt1"/>
+            </a:fontRef>
+          </p:style>
+          <p:txBody>
+            <a:bodyPr rtlCol="0" anchor="ctr"/>
+            <a:lstStyle/>
+            <a:p>
+              <a:pPr algn="ctr"/>
+              <a:endParaRPr lang="en-US"/>
+            </a:p>
+          </p:txBody>
+        </p:sp>
+      </p:grpSp>
+      <p:grpSp>
+        <p:nvGrpSpPr>
+          <p:cNvPr id="25" name="Group 24">
+            <a:extLst>
+              <a:ext uri="{FF2B5EF4-FFF2-40B4-BE49-F238E27FC236}">
+                <a16:creationId xmlns:a16="http://schemas.microsoft.com/office/drawing/2014/main" id="{BD2A285A-A423-4E2A-90AA-F33B4A67B4FB}"/>
+              </a:ext>
+            </a:extLst>
+          </p:cNvPr>
+          <p:cNvGrpSpPr>
+            <a:grpSpLocks noChangeAspect="1"/>
+          </p:cNvGrpSpPr>
+          <p:nvPr/>
+        </p:nvGrpSpPr>
+        <p:grpSpPr>
+          <a:xfrm>
+            <a:off x="7071247" y="5886450"/>
+            <a:ext cx="342900" cy="342900"/>
+            <a:chOff x="5168900" y="2184400"/>
+            <a:chExt cx="2743200" cy="2743200"/>
+          </a:xfrm>
+        </p:grpSpPr>
+        <p:sp>
+          <p:nvSpPr>
+            <p:cNvPr id="26" name="Oval 25">
+              <a:extLst>
+                <a:ext uri="{FF2B5EF4-FFF2-40B4-BE49-F238E27FC236}">
+                  <a16:creationId xmlns:a16="http://schemas.microsoft.com/office/drawing/2014/main" id="{03C993CF-C6C4-4027-A519-8449C990DB37}"/>
+                </a:ext>
+              </a:extLst>
+            </p:cNvPr>
+            <p:cNvSpPr/>
+            <p:nvPr/>
+          </p:nvSpPr>
+          <p:spPr>
+            <a:xfrm>
+              <a:off x="5168900" y="2184400"/>
+              <a:ext cx="2743200" cy="2743200"/>
+            </a:xfrm>
+            <a:prstGeom prst="ellipse">
+              <a:avLst/>
+            </a:prstGeom>
+          </p:spPr>
+          <p:style>
+            <a:lnRef idx="2">
+              <a:schemeClr val="accent3">
+                <a:shade val="50000"/>
+              </a:schemeClr>
+            </a:lnRef>
+            <a:fillRef idx="1">
+              <a:schemeClr val="accent3"/>
+            </a:fillRef>
+            <a:effectRef idx="0">
+              <a:schemeClr val="accent3"/>
+            </a:effectRef>
+            <a:fontRef idx="minor">
+              <a:schemeClr val="lt1"/>
+            </a:fontRef>
+          </p:style>
+          <p:txBody>
+            <a:bodyPr rtlCol="0" anchor="ctr"/>
+            <a:lstStyle/>
+            <a:p>
+              <a:pPr algn="ctr"/>
+              <a:endParaRPr lang="en-US"/>
+            </a:p>
+          </p:txBody>
+        </p:sp>
+        <p:sp>
+          <p:nvSpPr>
+            <p:cNvPr id="27" name="Star: 5 Points 26">
+              <a:extLst>
+                <a:ext uri="{FF2B5EF4-FFF2-40B4-BE49-F238E27FC236}">
+                  <a16:creationId xmlns:a16="http://schemas.microsoft.com/office/drawing/2014/main" id="{96C3FB2C-7A1D-487E-85B4-966C875E2099}"/>
+                </a:ext>
+              </a:extLst>
+            </p:cNvPr>
+            <p:cNvSpPr>
+              <a:spLocks noChangeAspect="1"/>
+            </p:cNvSpPr>
+            <p:nvPr/>
+          </p:nvSpPr>
+          <p:spPr>
+            <a:xfrm>
+              <a:off x="6197600" y="2184400"/>
+              <a:ext cx="685800" cy="685800"/>
+            </a:xfrm>
+            <a:prstGeom prst="star5">
+              <a:avLst>
+                <a:gd name="adj" fmla="val 20354"/>
+                <a:gd name="hf" fmla="val 105146"/>
+                <a:gd name="vf" fmla="val 110557"/>
+              </a:avLst>
+            </a:prstGeom>
+          </p:spPr>
+          <p:style>
+            <a:lnRef idx="2">
+              <a:schemeClr val="dk1">
+                <a:shade val="50000"/>
+              </a:schemeClr>
+            </a:lnRef>
+            <a:fillRef idx="1">
+              <a:schemeClr val="dk1"/>
+            </a:fillRef>
+            <a:effectRef idx="0">
+              <a:schemeClr val="dk1"/>
+            </a:effectRef>
+            <a:fontRef idx="minor">
+              <a:schemeClr val="lt1"/>
+            </a:fontRef>
+          </p:style>
+          <p:txBody>
+            <a:bodyPr rtlCol="0" anchor="ctr"/>
+            <a:lstStyle/>
+            <a:p>
+              <a:pPr algn="ctr"/>
+              <a:endParaRPr lang="en-US"/>
+            </a:p>
+          </p:txBody>
+        </p:sp>
+        <p:sp>
+          <p:nvSpPr>
+            <p:cNvPr id="28" name="Rectangle 27">
+              <a:extLst>
+                <a:ext uri="{FF2B5EF4-FFF2-40B4-BE49-F238E27FC236}">
+                  <a16:creationId xmlns:a16="http://schemas.microsoft.com/office/drawing/2014/main" id="{D9801595-8937-4CAE-84F3-F604C612DB70}"/>
+                </a:ext>
+              </a:extLst>
+            </p:cNvPr>
+            <p:cNvSpPr/>
+            <p:nvPr/>
+          </p:nvSpPr>
+          <p:spPr>
+            <a:xfrm>
+              <a:off x="6479043" y="2801938"/>
+              <a:ext cx="122914" cy="2117724"/>
+            </a:xfrm>
+            <a:prstGeom prst="rect">
+              <a:avLst/>
+            </a:prstGeom>
+            <a:solidFill>
+              <a:schemeClr val="tx1"/>
+            </a:solidFill>
+            <a:ln>
+              <a:noFill/>
+            </a:ln>
+          </p:spPr>
+          <p:style>
+            <a:lnRef idx="2">
+              <a:schemeClr val="accent1">
+                <a:shade val="50000"/>
+              </a:schemeClr>
+            </a:lnRef>
+            <a:fillRef idx="1">
+              <a:schemeClr val="accent1"/>
+            </a:fillRef>
+            <a:effectRef idx="0">
+              <a:schemeClr val="accent1"/>
+            </a:effectRef>
+            <a:fontRef idx="minor">
+              <a:schemeClr val="lt1"/>
+            </a:fontRef>
+          </p:style>
+          <p:txBody>
+            <a:bodyPr rtlCol="0" anchor="ctr"/>
+            <a:lstStyle/>
+            <a:p>
+              <a:pPr algn="ctr"/>
+              <a:endParaRPr lang="en-US"/>
+            </a:p>
+          </p:txBody>
+        </p:sp>
+      </p:grpSp>
+      <p:grpSp>
+        <p:nvGrpSpPr>
+          <p:cNvPr id="33" name="Group 32">
+            <a:extLst>
+              <a:ext uri="{FF2B5EF4-FFF2-40B4-BE49-F238E27FC236}">
+                <a16:creationId xmlns:a16="http://schemas.microsoft.com/office/drawing/2014/main" id="{45D6355B-DCBD-4AE4-B35A-D29686F47F73}"/>
+              </a:ext>
+            </a:extLst>
+          </p:cNvPr>
+          <p:cNvGrpSpPr/>
+          <p:nvPr/>
+        </p:nvGrpSpPr>
+        <p:grpSpPr>
+          <a:xfrm>
+            <a:off x="7504476" y="5886450"/>
+            <a:ext cx="342900" cy="342900"/>
+            <a:chOff x="7504476" y="5886450"/>
+            <a:chExt cx="342900" cy="342900"/>
+          </a:xfrm>
+        </p:grpSpPr>
+        <p:sp>
+          <p:nvSpPr>
+            <p:cNvPr id="30" name="Oval 29">
+              <a:extLst>
+                <a:ext uri="{FF2B5EF4-FFF2-40B4-BE49-F238E27FC236}">
+                  <a16:creationId xmlns:a16="http://schemas.microsoft.com/office/drawing/2014/main" id="{5F6789CD-BBC2-4609-ABCD-173B8E17F49C}"/>
+                </a:ext>
+              </a:extLst>
+            </p:cNvPr>
+            <p:cNvSpPr/>
+            <p:nvPr/>
+          </p:nvSpPr>
+          <p:spPr>
+            <a:xfrm>
+              <a:off x="7504476" y="5886450"/>
+              <a:ext cx="342900" cy="342900"/>
+            </a:xfrm>
+            <a:prstGeom prst="ellipse">
+              <a:avLst/>
+            </a:prstGeom>
+          </p:spPr>
+          <p:style>
+            <a:lnRef idx="2">
+              <a:schemeClr val="accent3">
+                <a:shade val="50000"/>
+              </a:schemeClr>
+            </a:lnRef>
+            <a:fillRef idx="1">
+              <a:schemeClr val="accent3"/>
+            </a:fillRef>
+            <a:effectRef idx="0">
+              <a:schemeClr val="accent3"/>
+            </a:effectRef>
+            <a:fontRef idx="minor">
+              <a:schemeClr val="lt1"/>
+            </a:fontRef>
+          </p:style>
+          <p:txBody>
+            <a:bodyPr rtlCol="0" anchor="ctr"/>
+            <a:lstStyle/>
+            <a:p>
+              <a:pPr algn="ctr"/>
+              <a:endParaRPr lang="en-US"/>
+            </a:p>
+          </p:txBody>
+        </p:sp>
+        <p:sp>
+          <p:nvSpPr>
+            <p:cNvPr id="31" name="Star: 5 Points 30">
+              <a:extLst>
+                <a:ext uri="{FF2B5EF4-FFF2-40B4-BE49-F238E27FC236}">
+                  <a16:creationId xmlns:a16="http://schemas.microsoft.com/office/drawing/2014/main" id="{74A614E5-948A-4C22-A5CA-C3B4955DE294}"/>
+                </a:ext>
+              </a:extLst>
+            </p:cNvPr>
+            <p:cNvSpPr>
+              <a:spLocks noChangeAspect="1"/>
+            </p:cNvSpPr>
+            <p:nvPr/>
+          </p:nvSpPr>
+          <p:spPr>
+            <a:xfrm>
+              <a:off x="7633064" y="5907879"/>
+              <a:ext cx="85725" cy="85725"/>
+            </a:xfrm>
+            <a:prstGeom prst="star5">
+              <a:avLst>
+                <a:gd name="adj" fmla="val 20354"/>
+                <a:gd name="hf" fmla="val 105146"/>
+                <a:gd name="vf" fmla="val 110557"/>
+              </a:avLst>
+            </a:prstGeom>
+          </p:spPr>
+          <p:style>
+            <a:lnRef idx="2">
+              <a:schemeClr val="dk1">
+                <a:shade val="50000"/>
+              </a:schemeClr>
+            </a:lnRef>
+            <a:fillRef idx="1">
+              <a:schemeClr val="dk1"/>
+            </a:fillRef>
+            <a:effectRef idx="0">
+              <a:schemeClr val="dk1"/>
+            </a:effectRef>
+            <a:fontRef idx="minor">
+              <a:schemeClr val="lt1"/>
+            </a:fontRef>
+          </p:style>
+          <p:txBody>
+            <a:bodyPr rtlCol="0" anchor="ctr"/>
+            <a:lstStyle/>
+            <a:p>
+              <a:pPr algn="ctr"/>
+              <a:endParaRPr lang="en-US"/>
+            </a:p>
+          </p:txBody>
+        </p:sp>
+        <p:sp>
+          <p:nvSpPr>
+            <p:cNvPr id="32" name="Rectangle 31">
+              <a:extLst>
+                <a:ext uri="{FF2B5EF4-FFF2-40B4-BE49-F238E27FC236}">
+                  <a16:creationId xmlns:a16="http://schemas.microsoft.com/office/drawing/2014/main" id="{E5D93F7F-CAC7-4EB2-A15C-D8284A6819CA}"/>
+                </a:ext>
+              </a:extLst>
+            </p:cNvPr>
+            <p:cNvSpPr>
+              <a:spLocks/>
+            </p:cNvSpPr>
+            <p:nvPr/>
+          </p:nvSpPr>
+          <p:spPr>
+            <a:xfrm>
+              <a:off x="7666782" y="5992415"/>
+              <a:ext cx="18288" cy="228600"/>
+            </a:xfrm>
+            <a:prstGeom prst="rect">
+              <a:avLst/>
+            </a:prstGeom>
+            <a:solidFill>
+              <a:schemeClr val="tx1"/>
+            </a:solidFill>
+            <a:ln>
+              <a:noFill/>
+            </a:ln>
+          </p:spPr>
+          <p:style>
+            <a:lnRef idx="2">
+              <a:schemeClr val="accent1">
+                <a:shade val="50000"/>
+              </a:schemeClr>
+            </a:lnRef>
+            <a:fillRef idx="1">
+              <a:schemeClr val="accent1"/>
+            </a:fillRef>
+            <a:effectRef idx="0">
+              <a:schemeClr val="accent1"/>
+            </a:effectRef>
+            <a:fontRef idx="minor">
+              <a:schemeClr val="lt1"/>
+            </a:fontRef>
+          </p:style>
+          <p:txBody>
+            <a:bodyPr rtlCol="0" anchor="ctr"/>
+            <a:lstStyle/>
+            <a:p>
+              <a:pPr algn="ctr"/>
+              <a:endParaRPr lang="en-US"/>
+            </a:p>
+          </p:txBody>
+        </p:sp>
+      </p:grpSp>
+      <p:grpSp>
+        <p:nvGrpSpPr>
+          <p:cNvPr id="40" name="Group 39">
+            <a:extLst>
+              <a:ext uri="{FF2B5EF4-FFF2-40B4-BE49-F238E27FC236}">
+                <a16:creationId xmlns:a16="http://schemas.microsoft.com/office/drawing/2014/main" id="{315709FE-5E0E-46CB-80AF-C8222CFD9254}"/>
+              </a:ext>
+            </a:extLst>
+          </p:cNvPr>
+          <p:cNvGrpSpPr/>
+          <p:nvPr/>
+        </p:nvGrpSpPr>
+        <p:grpSpPr>
+          <a:xfrm>
+            <a:off x="8750300" y="2184400"/>
+            <a:ext cx="2743200" cy="2743200"/>
+            <a:chOff x="8750300" y="2184400"/>
+            <a:chExt cx="2743200" cy="2743200"/>
+          </a:xfrm>
+        </p:grpSpPr>
+        <p:sp>
+          <p:nvSpPr>
+            <p:cNvPr id="35" name="Oval 34">
+              <a:extLst>
+                <a:ext uri="{FF2B5EF4-FFF2-40B4-BE49-F238E27FC236}">
+                  <a16:creationId xmlns:a16="http://schemas.microsoft.com/office/drawing/2014/main" id="{7E2A90B6-A0AD-45C0-8217-0161751261C4}"/>
+                </a:ext>
+              </a:extLst>
+            </p:cNvPr>
+            <p:cNvSpPr/>
+            <p:nvPr/>
+          </p:nvSpPr>
+          <p:spPr>
+            <a:xfrm>
+              <a:off x="8750300" y="2184400"/>
+              <a:ext cx="2743200" cy="2743200"/>
+            </a:xfrm>
+            <a:prstGeom prst="ellipse">
+              <a:avLst/>
+            </a:prstGeom>
+          </p:spPr>
+          <p:style>
+            <a:lnRef idx="2">
+              <a:schemeClr val="accent3">
+                <a:shade val="50000"/>
+              </a:schemeClr>
+            </a:lnRef>
+            <a:fillRef idx="1">
+              <a:schemeClr val="accent3"/>
+            </a:fillRef>
+            <a:effectRef idx="0">
+              <a:schemeClr val="accent3"/>
+            </a:effectRef>
+            <a:fontRef idx="minor">
+              <a:schemeClr val="lt1"/>
+            </a:fontRef>
+          </p:style>
+          <p:txBody>
+            <a:bodyPr rtlCol="0" anchor="ctr"/>
+            <a:lstStyle/>
+            <a:p>
+              <a:pPr algn="ctr"/>
+              <a:endParaRPr lang="en-US"/>
+            </a:p>
+          </p:txBody>
+        </p:sp>
+        <p:sp>
+          <p:nvSpPr>
+            <p:cNvPr id="38" name="Flowchart: Sort 37">
+              <a:extLst>
+                <a:ext uri="{FF2B5EF4-FFF2-40B4-BE49-F238E27FC236}">
+                  <a16:creationId xmlns:a16="http://schemas.microsoft.com/office/drawing/2014/main" id="{415B560A-0914-4AFB-933B-B2741237A99D}"/>
+                </a:ext>
+              </a:extLst>
+            </p:cNvPr>
+            <p:cNvSpPr/>
+            <p:nvPr/>
+          </p:nvSpPr>
+          <p:spPr>
+            <a:xfrm>
+              <a:off x="9788525" y="2272109"/>
+              <a:ext cx="666750" cy="2567781"/>
+            </a:xfrm>
+            <a:prstGeom prst="flowChartSort">
+              <a:avLst/>
+            </a:prstGeom>
+            <a:solidFill>
+              <a:schemeClr val="bg1"/>
+            </a:solidFill>
+            <a:ln>
+              <a:solidFill>
+                <a:schemeClr val="tx1"/>
+              </a:solidFill>
+            </a:ln>
+          </p:spPr>
+          <p:style>
+            <a:lnRef idx="2">
+              <a:schemeClr val="accent1">
+                <a:shade val="50000"/>
+              </a:schemeClr>
+            </a:lnRef>
+            <a:fillRef idx="1">
+              <a:schemeClr val="accent1"/>
+            </a:fillRef>
+            <a:effectRef idx="0">
+              <a:schemeClr val="accent1"/>
+            </a:effectRef>
+            <a:fontRef idx="minor">
+              <a:schemeClr val="lt1"/>
+            </a:fontRef>
+          </p:style>
+          <p:txBody>
+            <a:bodyPr rtlCol="0" anchor="ctr"/>
+            <a:lstStyle/>
+            <a:p>
+              <a:pPr algn="ctr"/>
+              <a:endParaRPr lang="en-US" dirty="0"/>
+            </a:p>
+          </p:txBody>
+        </p:sp>
+        <p:sp>
+          <p:nvSpPr>
+            <p:cNvPr id="39" name="Isosceles Triangle 38">
+              <a:extLst>
+                <a:ext uri="{FF2B5EF4-FFF2-40B4-BE49-F238E27FC236}">
+                  <a16:creationId xmlns:a16="http://schemas.microsoft.com/office/drawing/2014/main" id="{4D99CB8E-A565-41EF-B7D5-EAD27D7EA726}"/>
+                </a:ext>
+              </a:extLst>
+            </p:cNvPr>
+            <p:cNvSpPr/>
+            <p:nvPr/>
+          </p:nvSpPr>
+          <p:spPr>
+            <a:xfrm>
+              <a:off x="9788525" y="2290206"/>
+              <a:ext cx="666750" cy="1260714"/>
+            </a:xfrm>
+            <a:prstGeom prst="triangle">
+              <a:avLst/>
+            </a:prstGeom>
+            <a:solidFill>
+              <a:srgbClr val="FF6969"/>
+            </a:solidFill>
+            <a:ln>
+              <a:noFill/>
+            </a:ln>
+          </p:spPr>
+          <p:style>
+            <a:lnRef idx="2">
+              <a:schemeClr val="accent1">
+                <a:shade val="50000"/>
+              </a:schemeClr>
+            </a:lnRef>
+            <a:fillRef idx="1">
+              <a:schemeClr val="accent1"/>
+            </a:fillRef>
+            <a:effectRef idx="0">
+              <a:schemeClr val="accent1"/>
+            </a:effectRef>
+            <a:fontRef idx="minor">
+              <a:schemeClr val="lt1"/>
+            </a:fontRef>
+          </p:style>
+          <p:txBody>
+            <a:bodyPr rtlCol="0" anchor="ctr"/>
+            <a:lstStyle/>
+            <a:p>
+              <a:pPr algn="ctr"/>
+              <a:endParaRPr lang="en-US"/>
+            </a:p>
+          </p:txBody>
+        </p:sp>
+      </p:grpSp>
+      <p:grpSp>
+        <p:nvGrpSpPr>
+          <p:cNvPr id="45" name="Group 44">
+            <a:extLst>
+              <a:ext uri="{FF2B5EF4-FFF2-40B4-BE49-F238E27FC236}">
+                <a16:creationId xmlns:a16="http://schemas.microsoft.com/office/drawing/2014/main" id="{175296EC-53A1-49A4-92D0-2C911F1C0E4E}"/>
+              </a:ext>
+            </a:extLst>
+          </p:cNvPr>
+          <p:cNvGrpSpPr/>
+          <p:nvPr/>
+        </p:nvGrpSpPr>
+        <p:grpSpPr>
+          <a:xfrm>
+            <a:off x="10164572" y="5626011"/>
+            <a:ext cx="347472" cy="347472"/>
+            <a:chOff x="10164572" y="5626011"/>
+            <a:chExt cx="384048" cy="384048"/>
+          </a:xfrm>
+        </p:grpSpPr>
+        <p:sp>
+          <p:nvSpPr>
+            <p:cNvPr id="42" name="Oval 41">
+              <a:extLst>
+                <a:ext uri="{FF2B5EF4-FFF2-40B4-BE49-F238E27FC236}">
+                  <a16:creationId xmlns:a16="http://schemas.microsoft.com/office/drawing/2014/main" id="{78BFC533-D97E-4F4D-A5C2-B35345CDB785}"/>
+                </a:ext>
+              </a:extLst>
+            </p:cNvPr>
+            <p:cNvSpPr>
+              <a:spLocks noChangeAspect="1"/>
+            </p:cNvSpPr>
+            <p:nvPr/>
+          </p:nvSpPr>
+          <p:spPr>
+            <a:xfrm>
+              <a:off x="10164572" y="5626011"/>
+              <a:ext cx="384048" cy="384048"/>
+            </a:xfrm>
+            <a:prstGeom prst="ellipse">
+              <a:avLst/>
+            </a:prstGeom>
+          </p:spPr>
+          <p:style>
+            <a:lnRef idx="2">
+              <a:schemeClr val="accent3">
+                <a:shade val="50000"/>
+              </a:schemeClr>
+            </a:lnRef>
+            <a:fillRef idx="1">
+              <a:schemeClr val="accent3"/>
+            </a:fillRef>
+            <a:effectRef idx="0">
+              <a:schemeClr val="accent3"/>
+            </a:effectRef>
+            <a:fontRef idx="minor">
+              <a:schemeClr val="lt1"/>
+            </a:fontRef>
+          </p:style>
+          <p:txBody>
+            <a:bodyPr rtlCol="0" anchor="ctr"/>
+            <a:lstStyle/>
+            <a:p>
+              <a:pPr algn="ctr"/>
+              <a:endParaRPr lang="en-US" dirty="0"/>
+            </a:p>
+          </p:txBody>
+        </p:sp>
+        <p:sp>
+          <p:nvSpPr>
+            <p:cNvPr id="43" name="Flowchart: Sort 42">
+              <a:extLst>
+                <a:ext uri="{FF2B5EF4-FFF2-40B4-BE49-F238E27FC236}">
+                  <a16:creationId xmlns:a16="http://schemas.microsoft.com/office/drawing/2014/main" id="{1B24300F-384A-446C-8CBA-3D8AF874947E}"/>
+                </a:ext>
+              </a:extLst>
+            </p:cNvPr>
+            <p:cNvSpPr/>
+            <p:nvPr/>
+          </p:nvSpPr>
+          <p:spPr>
+            <a:xfrm>
+              <a:off x="10314369" y="5656053"/>
+              <a:ext cx="84455" cy="325252"/>
+            </a:xfrm>
+            <a:prstGeom prst="flowChartSort">
+              <a:avLst/>
+            </a:prstGeom>
+            <a:solidFill>
+              <a:schemeClr val="bg1"/>
+            </a:solidFill>
+            <a:ln>
+              <a:solidFill>
+                <a:schemeClr val="tx1"/>
+              </a:solidFill>
+            </a:ln>
+          </p:spPr>
+          <p:style>
+            <a:lnRef idx="2">
+              <a:schemeClr val="accent1">
+                <a:shade val="50000"/>
+              </a:schemeClr>
+            </a:lnRef>
+            <a:fillRef idx="1">
+              <a:schemeClr val="accent1"/>
+            </a:fillRef>
+            <a:effectRef idx="0">
+              <a:schemeClr val="accent1"/>
+            </a:effectRef>
+            <a:fontRef idx="minor">
+              <a:schemeClr val="lt1"/>
+            </a:fontRef>
+          </p:style>
+          <p:txBody>
+            <a:bodyPr rtlCol="0" anchor="ctr"/>
+            <a:lstStyle/>
+            <a:p>
+              <a:pPr algn="ctr"/>
+              <a:endParaRPr lang="en-US" dirty="0"/>
+            </a:p>
+          </p:txBody>
+        </p:sp>
+        <p:sp>
+          <p:nvSpPr>
+            <p:cNvPr id="44" name="Isosceles Triangle 43">
+              <a:extLst>
+                <a:ext uri="{FF2B5EF4-FFF2-40B4-BE49-F238E27FC236}">
+                  <a16:creationId xmlns:a16="http://schemas.microsoft.com/office/drawing/2014/main" id="{686843CB-67F8-49B2-BB88-9290C1A0F735}"/>
+                </a:ext>
+              </a:extLst>
+            </p:cNvPr>
+            <p:cNvSpPr/>
+            <p:nvPr/>
+          </p:nvSpPr>
+          <p:spPr>
+            <a:xfrm>
+              <a:off x="10314369" y="5658345"/>
+              <a:ext cx="84455" cy="159690"/>
+            </a:xfrm>
+            <a:prstGeom prst="triangle">
+              <a:avLst/>
+            </a:prstGeom>
+            <a:solidFill>
+              <a:srgbClr val="FF6969"/>
+            </a:solidFill>
+            <a:ln>
+              <a:noFill/>
+            </a:ln>
+          </p:spPr>
+          <p:style>
+            <a:lnRef idx="2">
+              <a:schemeClr val="accent1">
+                <a:shade val="50000"/>
+              </a:schemeClr>
+            </a:lnRef>
+            <a:fillRef idx="1">
+              <a:schemeClr val="accent1"/>
+            </a:fillRef>
+            <a:effectRef idx="0">
+              <a:schemeClr val="accent1"/>
+            </a:effectRef>
+            <a:fontRef idx="minor">
+              <a:schemeClr val="lt1"/>
+            </a:fontRef>
+          </p:style>
+          <p:txBody>
+            <a:bodyPr rtlCol="0" anchor="ctr"/>
+            <a:lstStyle/>
+            <a:p>
+              <a:pPr algn="ctr"/>
+              <a:endParaRPr lang="en-US"/>
+            </a:p>
+          </p:txBody>
+        </p:sp>
+      </p:grpSp>
     </p:spTree>
     <p:extLst>
       <p:ext uri="{BB962C8B-B14F-4D97-AF65-F5344CB8AC3E}">
@@ -3857,7 +5056,7 @@
           <p:nvPr/>
         </p:nvSpPr>
         <p:spPr>
-          <a:xfrm>
+          <a:xfrm rot="10800000" flipH="1" flipV="1">
             <a:off x="5973631" y="3444907"/>
             <a:ext cx="1362792" cy="2066544"/>
           </a:xfrm>
@@ -4312,6 +5511,906 @@
           </a:p>
         </p:txBody>
       </p:sp>
+      <p:grpSp>
+        <p:nvGrpSpPr>
+          <p:cNvPr id="4" name="Group 3">
+            <a:extLst>
+              <a:ext uri="{FF2B5EF4-FFF2-40B4-BE49-F238E27FC236}">
+                <a16:creationId xmlns:a16="http://schemas.microsoft.com/office/drawing/2014/main" id="{51FAD830-C42A-4F61-B1AF-CE15B9154F19}"/>
+              </a:ext>
+            </a:extLst>
+          </p:cNvPr>
+          <p:cNvGrpSpPr/>
+          <p:nvPr/>
+        </p:nvGrpSpPr>
+        <p:grpSpPr>
+          <a:xfrm>
+            <a:off x="1264447" y="1411033"/>
+            <a:ext cx="2093906" cy="4053840"/>
+            <a:chOff x="1264447" y="1411033"/>
+            <a:chExt cx="2093906" cy="4053840"/>
+          </a:xfrm>
+        </p:grpSpPr>
+        <p:sp>
+          <p:nvSpPr>
+            <p:cNvPr id="2" name="Rectangle 1">
+              <a:extLst>
+                <a:ext uri="{FF2B5EF4-FFF2-40B4-BE49-F238E27FC236}">
+                  <a16:creationId xmlns:a16="http://schemas.microsoft.com/office/drawing/2014/main" id="{93BA1D6D-710C-43F7-B4A8-56A78AB2B251}"/>
+                </a:ext>
+              </a:extLst>
+            </p:cNvPr>
+            <p:cNvSpPr/>
+            <p:nvPr/>
+          </p:nvSpPr>
+          <p:spPr>
+            <a:xfrm>
+              <a:off x="1371600" y="1498600"/>
+              <a:ext cx="1879600" cy="3860800"/>
+            </a:xfrm>
+            <a:prstGeom prst="rect">
+              <a:avLst/>
+            </a:prstGeom>
+            <a:noFill/>
+            <a:ln>
+              <a:solidFill>
+                <a:schemeClr val="tx1"/>
+              </a:solidFill>
+            </a:ln>
+          </p:spPr>
+          <p:style>
+            <a:lnRef idx="2">
+              <a:schemeClr val="accent1">
+                <a:shade val="50000"/>
+              </a:schemeClr>
+            </a:lnRef>
+            <a:fillRef idx="1">
+              <a:schemeClr val="accent1"/>
+            </a:fillRef>
+            <a:effectRef idx="0">
+              <a:schemeClr val="accent1"/>
+            </a:effectRef>
+            <a:fontRef idx="minor">
+              <a:schemeClr val="lt1"/>
+            </a:fontRef>
+          </p:style>
+          <p:txBody>
+            <a:bodyPr rtlCol="0" anchor="ctr"/>
+            <a:lstStyle/>
+            <a:p>
+              <a:pPr algn="ctr"/>
+              <a:endParaRPr lang="en-US"/>
+            </a:p>
+          </p:txBody>
+        </p:sp>
+        <p:sp>
+          <p:nvSpPr>
+            <p:cNvPr id="3" name="Rectangle: Rounded Corners 2">
+              <a:extLst>
+                <a:ext uri="{FF2B5EF4-FFF2-40B4-BE49-F238E27FC236}">
+                  <a16:creationId xmlns:a16="http://schemas.microsoft.com/office/drawing/2014/main" id="{20BB3F5E-5562-48A1-A84A-F5B760EB6C66}"/>
+                </a:ext>
+              </a:extLst>
+            </p:cNvPr>
+            <p:cNvSpPr/>
+            <p:nvPr/>
+          </p:nvSpPr>
+          <p:spPr>
+            <a:xfrm>
+              <a:off x="1264447" y="1411033"/>
+              <a:ext cx="2093906" cy="4053840"/>
+            </a:xfrm>
+            <a:prstGeom prst="roundRect">
+              <a:avLst>
+                <a:gd name="adj" fmla="val 6741"/>
+              </a:avLst>
+            </a:prstGeom>
+            <a:noFill/>
+            <a:ln>
+              <a:solidFill>
+                <a:schemeClr val="tx1"/>
+              </a:solidFill>
+            </a:ln>
+          </p:spPr>
+          <p:style>
+            <a:lnRef idx="2">
+              <a:schemeClr val="accent1">
+                <a:shade val="50000"/>
+              </a:schemeClr>
+            </a:lnRef>
+            <a:fillRef idx="1">
+              <a:schemeClr val="accent1"/>
+            </a:fillRef>
+            <a:effectRef idx="0">
+              <a:schemeClr val="accent1"/>
+            </a:effectRef>
+            <a:fontRef idx="minor">
+              <a:schemeClr val="lt1"/>
+            </a:fontRef>
+          </p:style>
+          <p:txBody>
+            <a:bodyPr rtlCol="0" anchor="ctr"/>
+            <a:lstStyle/>
+            <a:p>
+              <a:pPr algn="ctr"/>
+              <a:endParaRPr lang="en-US"/>
+            </a:p>
+          </p:txBody>
+        </p:sp>
+      </p:grpSp>
+      <p:grpSp>
+        <p:nvGrpSpPr>
+          <p:cNvPr id="34" name="Group 33">
+            <a:extLst>
+              <a:ext uri="{FF2B5EF4-FFF2-40B4-BE49-F238E27FC236}">
+                <a16:creationId xmlns:a16="http://schemas.microsoft.com/office/drawing/2014/main" id="{2D9361C1-0141-4084-B91C-5664CCF0F407}"/>
+              </a:ext>
+            </a:extLst>
+          </p:cNvPr>
+          <p:cNvGrpSpPr/>
+          <p:nvPr/>
+        </p:nvGrpSpPr>
+        <p:grpSpPr>
+          <a:xfrm>
+            <a:off x="4932930" y="1411033"/>
+            <a:ext cx="2093906" cy="4053840"/>
+            <a:chOff x="1264447" y="1411033"/>
+            <a:chExt cx="2093906" cy="4053840"/>
+          </a:xfrm>
+        </p:grpSpPr>
+        <p:sp>
+          <p:nvSpPr>
+            <p:cNvPr id="35" name="Rectangle 34">
+              <a:extLst>
+                <a:ext uri="{FF2B5EF4-FFF2-40B4-BE49-F238E27FC236}">
+                  <a16:creationId xmlns:a16="http://schemas.microsoft.com/office/drawing/2014/main" id="{3BDD7654-5901-48D7-B095-FC5739979C0D}"/>
+                </a:ext>
+              </a:extLst>
+            </p:cNvPr>
+            <p:cNvSpPr/>
+            <p:nvPr/>
+          </p:nvSpPr>
+          <p:spPr>
+            <a:xfrm>
+              <a:off x="1371600" y="1498600"/>
+              <a:ext cx="1879600" cy="3860800"/>
+            </a:xfrm>
+            <a:prstGeom prst="rect">
+              <a:avLst/>
+            </a:prstGeom>
+            <a:noFill/>
+            <a:ln>
+              <a:solidFill>
+                <a:schemeClr val="tx1"/>
+              </a:solidFill>
+            </a:ln>
+          </p:spPr>
+          <p:style>
+            <a:lnRef idx="2">
+              <a:schemeClr val="accent1">
+                <a:shade val="50000"/>
+              </a:schemeClr>
+            </a:lnRef>
+            <a:fillRef idx="1">
+              <a:schemeClr val="accent1"/>
+            </a:fillRef>
+            <a:effectRef idx="0">
+              <a:schemeClr val="accent1"/>
+            </a:effectRef>
+            <a:fontRef idx="minor">
+              <a:schemeClr val="lt1"/>
+            </a:fontRef>
+          </p:style>
+          <p:txBody>
+            <a:bodyPr rtlCol="0" anchor="ctr"/>
+            <a:lstStyle/>
+            <a:p>
+              <a:pPr algn="ctr"/>
+              <a:endParaRPr lang="en-US"/>
+            </a:p>
+          </p:txBody>
+        </p:sp>
+        <p:sp>
+          <p:nvSpPr>
+            <p:cNvPr id="36" name="Rectangle: Rounded Corners 35">
+              <a:extLst>
+                <a:ext uri="{FF2B5EF4-FFF2-40B4-BE49-F238E27FC236}">
+                  <a16:creationId xmlns:a16="http://schemas.microsoft.com/office/drawing/2014/main" id="{3D2E7AAF-9C3F-4DB9-998C-4870B72514F7}"/>
+                </a:ext>
+              </a:extLst>
+            </p:cNvPr>
+            <p:cNvSpPr/>
+            <p:nvPr/>
+          </p:nvSpPr>
+          <p:spPr>
+            <a:xfrm>
+              <a:off x="1264447" y="1411033"/>
+              <a:ext cx="2093906" cy="4053840"/>
+            </a:xfrm>
+            <a:prstGeom prst="roundRect">
+              <a:avLst>
+                <a:gd name="adj" fmla="val 6741"/>
+              </a:avLst>
+            </a:prstGeom>
+            <a:noFill/>
+            <a:ln>
+              <a:solidFill>
+                <a:schemeClr val="tx1"/>
+              </a:solidFill>
+            </a:ln>
+          </p:spPr>
+          <p:style>
+            <a:lnRef idx="2">
+              <a:schemeClr val="accent1">
+                <a:shade val="50000"/>
+              </a:schemeClr>
+            </a:lnRef>
+            <a:fillRef idx="1">
+              <a:schemeClr val="accent1"/>
+            </a:fillRef>
+            <a:effectRef idx="0">
+              <a:schemeClr val="accent1"/>
+            </a:effectRef>
+            <a:fontRef idx="minor">
+              <a:schemeClr val="lt1"/>
+            </a:fontRef>
+          </p:style>
+          <p:txBody>
+            <a:bodyPr rtlCol="0" anchor="ctr"/>
+            <a:lstStyle/>
+            <a:p>
+              <a:pPr algn="ctr"/>
+              <a:endParaRPr lang="en-US"/>
+            </a:p>
+          </p:txBody>
+        </p:sp>
+      </p:grpSp>
+      <p:grpSp>
+        <p:nvGrpSpPr>
+          <p:cNvPr id="37" name="Group 36">
+            <a:extLst>
+              <a:ext uri="{FF2B5EF4-FFF2-40B4-BE49-F238E27FC236}">
+                <a16:creationId xmlns:a16="http://schemas.microsoft.com/office/drawing/2014/main" id="{89569093-C335-44C6-AC9D-DBD47763190E}"/>
+              </a:ext>
+            </a:extLst>
+          </p:cNvPr>
+          <p:cNvGrpSpPr/>
+          <p:nvPr/>
+        </p:nvGrpSpPr>
+        <p:grpSpPr>
+          <a:xfrm>
+            <a:off x="8683886" y="1411033"/>
+            <a:ext cx="2093906" cy="4053840"/>
+            <a:chOff x="1269209" y="1411033"/>
+            <a:chExt cx="2093906" cy="4053840"/>
+          </a:xfrm>
+        </p:grpSpPr>
+        <p:sp>
+          <p:nvSpPr>
+            <p:cNvPr id="38" name="Rectangle 37">
+              <a:extLst>
+                <a:ext uri="{FF2B5EF4-FFF2-40B4-BE49-F238E27FC236}">
+                  <a16:creationId xmlns:a16="http://schemas.microsoft.com/office/drawing/2014/main" id="{65A12168-D6A4-4074-A514-CE2DB7FC6434}"/>
+                </a:ext>
+              </a:extLst>
+            </p:cNvPr>
+            <p:cNvSpPr/>
+            <p:nvPr/>
+          </p:nvSpPr>
+          <p:spPr>
+            <a:xfrm>
+              <a:off x="1381661" y="1498600"/>
+              <a:ext cx="1883568" cy="3860800"/>
+            </a:xfrm>
+            <a:prstGeom prst="rect">
+              <a:avLst/>
+            </a:prstGeom>
+            <a:noFill/>
+            <a:ln>
+              <a:solidFill>
+                <a:schemeClr val="tx1"/>
+              </a:solidFill>
+            </a:ln>
+          </p:spPr>
+          <p:style>
+            <a:lnRef idx="2">
+              <a:schemeClr val="accent1">
+                <a:shade val="50000"/>
+              </a:schemeClr>
+            </a:lnRef>
+            <a:fillRef idx="1">
+              <a:schemeClr val="accent1"/>
+            </a:fillRef>
+            <a:effectRef idx="0">
+              <a:schemeClr val="accent1"/>
+            </a:effectRef>
+            <a:fontRef idx="minor">
+              <a:schemeClr val="lt1"/>
+            </a:fontRef>
+          </p:style>
+          <p:txBody>
+            <a:bodyPr rtlCol="0" anchor="ctr"/>
+            <a:lstStyle/>
+            <a:p>
+              <a:pPr algn="ctr"/>
+              <a:endParaRPr lang="en-US"/>
+            </a:p>
+          </p:txBody>
+        </p:sp>
+        <p:sp>
+          <p:nvSpPr>
+            <p:cNvPr id="39" name="Rectangle: Rounded Corners 38">
+              <a:extLst>
+                <a:ext uri="{FF2B5EF4-FFF2-40B4-BE49-F238E27FC236}">
+                  <a16:creationId xmlns:a16="http://schemas.microsoft.com/office/drawing/2014/main" id="{281B9D30-015F-4FE6-8D01-A83C62D51E65}"/>
+                </a:ext>
+              </a:extLst>
+            </p:cNvPr>
+            <p:cNvSpPr/>
+            <p:nvPr/>
+          </p:nvSpPr>
+          <p:spPr>
+            <a:xfrm>
+              <a:off x="1269209" y="1411033"/>
+              <a:ext cx="2093906" cy="4053840"/>
+            </a:xfrm>
+            <a:prstGeom prst="roundRect">
+              <a:avLst>
+                <a:gd name="adj" fmla="val 6741"/>
+              </a:avLst>
+            </a:prstGeom>
+            <a:noFill/>
+            <a:ln>
+              <a:solidFill>
+                <a:schemeClr val="tx1"/>
+              </a:solidFill>
+            </a:ln>
+          </p:spPr>
+          <p:style>
+            <a:lnRef idx="2">
+              <a:schemeClr val="accent1">
+                <a:shade val="50000"/>
+              </a:schemeClr>
+            </a:lnRef>
+            <a:fillRef idx="1">
+              <a:schemeClr val="accent1"/>
+            </a:fillRef>
+            <a:effectRef idx="0">
+              <a:schemeClr val="accent1"/>
+            </a:effectRef>
+            <a:fontRef idx="minor">
+              <a:schemeClr val="lt1"/>
+            </a:fontRef>
+          </p:style>
+          <p:txBody>
+            <a:bodyPr rtlCol="0" anchor="ctr"/>
+            <a:lstStyle/>
+            <a:p>
+              <a:pPr algn="ctr"/>
+              <a:endParaRPr lang="en-US"/>
+            </a:p>
+          </p:txBody>
+        </p:sp>
+      </p:grpSp>
+      <p:grpSp>
+        <p:nvGrpSpPr>
+          <p:cNvPr id="40" name="Group 39">
+            <a:extLst>
+              <a:ext uri="{FF2B5EF4-FFF2-40B4-BE49-F238E27FC236}">
+                <a16:creationId xmlns:a16="http://schemas.microsoft.com/office/drawing/2014/main" id="{CF6643D7-7AE8-4957-8169-CF68A6CF62DD}"/>
+              </a:ext>
+            </a:extLst>
+          </p:cNvPr>
+          <p:cNvGrpSpPr/>
+          <p:nvPr/>
+        </p:nvGrpSpPr>
+        <p:grpSpPr>
+          <a:xfrm>
+            <a:off x="2864742" y="4971099"/>
+            <a:ext cx="342900" cy="342900"/>
+            <a:chOff x="7504476" y="5886450"/>
+            <a:chExt cx="342900" cy="342900"/>
+          </a:xfrm>
+        </p:grpSpPr>
+        <p:sp>
+          <p:nvSpPr>
+            <p:cNvPr id="41" name="Oval 40">
+              <a:extLst>
+                <a:ext uri="{FF2B5EF4-FFF2-40B4-BE49-F238E27FC236}">
+                  <a16:creationId xmlns:a16="http://schemas.microsoft.com/office/drawing/2014/main" id="{60B4B92C-EDD4-4858-8929-EAF35E176429}"/>
+                </a:ext>
+              </a:extLst>
+            </p:cNvPr>
+            <p:cNvSpPr/>
+            <p:nvPr/>
+          </p:nvSpPr>
+          <p:spPr>
+            <a:xfrm>
+              <a:off x="7504476" y="5886450"/>
+              <a:ext cx="342900" cy="342900"/>
+            </a:xfrm>
+            <a:prstGeom prst="ellipse">
+              <a:avLst/>
+            </a:prstGeom>
+          </p:spPr>
+          <p:style>
+            <a:lnRef idx="2">
+              <a:schemeClr val="accent3">
+                <a:shade val="50000"/>
+              </a:schemeClr>
+            </a:lnRef>
+            <a:fillRef idx="1">
+              <a:schemeClr val="accent3"/>
+            </a:fillRef>
+            <a:effectRef idx="0">
+              <a:schemeClr val="accent3"/>
+            </a:effectRef>
+            <a:fontRef idx="minor">
+              <a:schemeClr val="lt1"/>
+            </a:fontRef>
+          </p:style>
+          <p:txBody>
+            <a:bodyPr rtlCol="0" anchor="ctr"/>
+            <a:lstStyle/>
+            <a:p>
+              <a:pPr algn="ctr"/>
+              <a:endParaRPr lang="en-US"/>
+            </a:p>
+          </p:txBody>
+        </p:sp>
+        <p:sp>
+          <p:nvSpPr>
+            <p:cNvPr id="42" name="Star: 5 Points 41">
+              <a:extLst>
+                <a:ext uri="{FF2B5EF4-FFF2-40B4-BE49-F238E27FC236}">
+                  <a16:creationId xmlns:a16="http://schemas.microsoft.com/office/drawing/2014/main" id="{ED11B659-2552-4AB3-9D2C-15C6193BC667}"/>
+                </a:ext>
+              </a:extLst>
+            </p:cNvPr>
+            <p:cNvSpPr>
+              <a:spLocks noChangeAspect="1"/>
+            </p:cNvSpPr>
+            <p:nvPr/>
+          </p:nvSpPr>
+          <p:spPr>
+            <a:xfrm>
+              <a:off x="7633064" y="5907879"/>
+              <a:ext cx="85725" cy="85725"/>
+            </a:xfrm>
+            <a:prstGeom prst="star5">
+              <a:avLst>
+                <a:gd name="adj" fmla="val 20354"/>
+                <a:gd name="hf" fmla="val 105146"/>
+                <a:gd name="vf" fmla="val 110557"/>
+              </a:avLst>
+            </a:prstGeom>
+          </p:spPr>
+          <p:style>
+            <a:lnRef idx="2">
+              <a:schemeClr val="dk1">
+                <a:shade val="50000"/>
+              </a:schemeClr>
+            </a:lnRef>
+            <a:fillRef idx="1">
+              <a:schemeClr val="dk1"/>
+            </a:fillRef>
+            <a:effectRef idx="0">
+              <a:schemeClr val="dk1"/>
+            </a:effectRef>
+            <a:fontRef idx="minor">
+              <a:schemeClr val="lt1"/>
+            </a:fontRef>
+          </p:style>
+          <p:txBody>
+            <a:bodyPr rtlCol="0" anchor="ctr"/>
+            <a:lstStyle/>
+            <a:p>
+              <a:pPr algn="ctr"/>
+              <a:endParaRPr lang="en-US"/>
+            </a:p>
+          </p:txBody>
+        </p:sp>
+        <p:sp>
+          <p:nvSpPr>
+            <p:cNvPr id="43" name="Rectangle 42">
+              <a:extLst>
+                <a:ext uri="{FF2B5EF4-FFF2-40B4-BE49-F238E27FC236}">
+                  <a16:creationId xmlns:a16="http://schemas.microsoft.com/office/drawing/2014/main" id="{445D50F1-31C5-40F4-84D8-03B013DC1D3D}"/>
+                </a:ext>
+              </a:extLst>
+            </p:cNvPr>
+            <p:cNvSpPr>
+              <a:spLocks/>
+            </p:cNvSpPr>
+            <p:nvPr/>
+          </p:nvSpPr>
+          <p:spPr>
+            <a:xfrm>
+              <a:off x="7666782" y="5992415"/>
+              <a:ext cx="18288" cy="228600"/>
+            </a:xfrm>
+            <a:prstGeom prst="rect">
+              <a:avLst/>
+            </a:prstGeom>
+            <a:solidFill>
+              <a:schemeClr val="tx1"/>
+            </a:solidFill>
+            <a:ln>
+              <a:noFill/>
+            </a:ln>
+          </p:spPr>
+          <p:style>
+            <a:lnRef idx="2">
+              <a:schemeClr val="accent1">
+                <a:shade val="50000"/>
+              </a:schemeClr>
+            </a:lnRef>
+            <a:fillRef idx="1">
+              <a:schemeClr val="accent1"/>
+            </a:fillRef>
+            <a:effectRef idx="0">
+              <a:schemeClr val="accent1"/>
+            </a:effectRef>
+            <a:fontRef idx="minor">
+              <a:schemeClr val="lt1"/>
+            </a:fontRef>
+          </p:style>
+          <p:txBody>
+            <a:bodyPr rtlCol="0" anchor="ctr"/>
+            <a:lstStyle/>
+            <a:p>
+              <a:pPr algn="ctr"/>
+              <a:endParaRPr lang="en-US"/>
+            </a:p>
+          </p:txBody>
+        </p:sp>
+      </p:grpSp>
+      <p:grpSp>
+        <p:nvGrpSpPr>
+          <p:cNvPr id="44" name="Group 43">
+            <a:extLst>
+              <a:ext uri="{FF2B5EF4-FFF2-40B4-BE49-F238E27FC236}">
+                <a16:creationId xmlns:a16="http://schemas.microsoft.com/office/drawing/2014/main" id="{81F804E8-8E58-415F-9354-E89D47C2D0FF}"/>
+              </a:ext>
+            </a:extLst>
+          </p:cNvPr>
+          <p:cNvGrpSpPr/>
+          <p:nvPr/>
+        </p:nvGrpSpPr>
+        <p:grpSpPr>
+          <a:xfrm>
+            <a:off x="6533652" y="4971099"/>
+            <a:ext cx="342900" cy="342900"/>
+            <a:chOff x="7504476" y="5886450"/>
+            <a:chExt cx="342900" cy="342900"/>
+          </a:xfrm>
+        </p:grpSpPr>
+        <p:sp>
+          <p:nvSpPr>
+            <p:cNvPr id="45" name="Oval 44">
+              <a:extLst>
+                <a:ext uri="{FF2B5EF4-FFF2-40B4-BE49-F238E27FC236}">
+                  <a16:creationId xmlns:a16="http://schemas.microsoft.com/office/drawing/2014/main" id="{18820BCE-896C-4A63-A4C5-1493770EECE5}"/>
+                </a:ext>
+              </a:extLst>
+            </p:cNvPr>
+            <p:cNvSpPr/>
+            <p:nvPr/>
+          </p:nvSpPr>
+          <p:spPr>
+            <a:xfrm>
+              <a:off x="7504476" y="5886450"/>
+              <a:ext cx="342900" cy="342900"/>
+            </a:xfrm>
+            <a:prstGeom prst="ellipse">
+              <a:avLst/>
+            </a:prstGeom>
+          </p:spPr>
+          <p:style>
+            <a:lnRef idx="2">
+              <a:schemeClr val="accent3">
+                <a:shade val="50000"/>
+              </a:schemeClr>
+            </a:lnRef>
+            <a:fillRef idx="1">
+              <a:schemeClr val="accent3"/>
+            </a:fillRef>
+            <a:effectRef idx="0">
+              <a:schemeClr val="accent3"/>
+            </a:effectRef>
+            <a:fontRef idx="minor">
+              <a:schemeClr val="lt1"/>
+            </a:fontRef>
+          </p:style>
+          <p:txBody>
+            <a:bodyPr rtlCol="0" anchor="ctr"/>
+            <a:lstStyle/>
+            <a:p>
+              <a:pPr algn="ctr"/>
+              <a:endParaRPr lang="en-US"/>
+            </a:p>
+          </p:txBody>
+        </p:sp>
+        <p:sp>
+          <p:nvSpPr>
+            <p:cNvPr id="46" name="Star: 5 Points 45">
+              <a:extLst>
+                <a:ext uri="{FF2B5EF4-FFF2-40B4-BE49-F238E27FC236}">
+                  <a16:creationId xmlns:a16="http://schemas.microsoft.com/office/drawing/2014/main" id="{8DA2A313-9599-4DA5-BD98-C83698E4ACB8}"/>
+                </a:ext>
+              </a:extLst>
+            </p:cNvPr>
+            <p:cNvSpPr>
+              <a:spLocks noChangeAspect="1"/>
+            </p:cNvSpPr>
+            <p:nvPr/>
+          </p:nvSpPr>
+          <p:spPr>
+            <a:xfrm>
+              <a:off x="7633064" y="5907879"/>
+              <a:ext cx="85725" cy="85725"/>
+            </a:xfrm>
+            <a:prstGeom prst="star5">
+              <a:avLst>
+                <a:gd name="adj" fmla="val 20354"/>
+                <a:gd name="hf" fmla="val 105146"/>
+                <a:gd name="vf" fmla="val 110557"/>
+              </a:avLst>
+            </a:prstGeom>
+          </p:spPr>
+          <p:style>
+            <a:lnRef idx="2">
+              <a:schemeClr val="dk1">
+                <a:shade val="50000"/>
+              </a:schemeClr>
+            </a:lnRef>
+            <a:fillRef idx="1">
+              <a:schemeClr val="dk1"/>
+            </a:fillRef>
+            <a:effectRef idx="0">
+              <a:schemeClr val="dk1"/>
+            </a:effectRef>
+            <a:fontRef idx="minor">
+              <a:schemeClr val="lt1"/>
+            </a:fontRef>
+          </p:style>
+          <p:txBody>
+            <a:bodyPr rtlCol="0" anchor="ctr"/>
+            <a:lstStyle/>
+            <a:p>
+              <a:pPr algn="ctr"/>
+              <a:endParaRPr lang="en-US"/>
+            </a:p>
+          </p:txBody>
+        </p:sp>
+        <p:sp>
+          <p:nvSpPr>
+            <p:cNvPr id="47" name="Rectangle 46">
+              <a:extLst>
+                <a:ext uri="{FF2B5EF4-FFF2-40B4-BE49-F238E27FC236}">
+                  <a16:creationId xmlns:a16="http://schemas.microsoft.com/office/drawing/2014/main" id="{5B2B39E6-1A8E-4DF9-8360-9910C5DEC40A}"/>
+                </a:ext>
+              </a:extLst>
+            </p:cNvPr>
+            <p:cNvSpPr>
+              <a:spLocks/>
+            </p:cNvSpPr>
+            <p:nvPr/>
+          </p:nvSpPr>
+          <p:spPr>
+            <a:xfrm>
+              <a:off x="7666782" y="5992415"/>
+              <a:ext cx="18288" cy="228600"/>
+            </a:xfrm>
+            <a:prstGeom prst="rect">
+              <a:avLst/>
+            </a:prstGeom>
+            <a:solidFill>
+              <a:schemeClr val="tx1"/>
+            </a:solidFill>
+            <a:ln>
+              <a:noFill/>
+            </a:ln>
+          </p:spPr>
+          <p:style>
+            <a:lnRef idx="2">
+              <a:schemeClr val="accent1">
+                <a:shade val="50000"/>
+              </a:schemeClr>
+            </a:lnRef>
+            <a:fillRef idx="1">
+              <a:schemeClr val="accent1"/>
+            </a:fillRef>
+            <a:effectRef idx="0">
+              <a:schemeClr val="accent1"/>
+            </a:effectRef>
+            <a:fontRef idx="minor">
+              <a:schemeClr val="lt1"/>
+            </a:fontRef>
+          </p:style>
+          <p:txBody>
+            <a:bodyPr rtlCol="0" anchor="ctr"/>
+            <a:lstStyle/>
+            <a:p>
+              <a:pPr algn="ctr"/>
+              <a:endParaRPr lang="en-US"/>
+            </a:p>
+          </p:txBody>
+        </p:sp>
+      </p:grpSp>
+      <p:grpSp>
+        <p:nvGrpSpPr>
+          <p:cNvPr id="48" name="Group 47">
+            <a:extLst>
+              <a:ext uri="{FF2B5EF4-FFF2-40B4-BE49-F238E27FC236}">
+                <a16:creationId xmlns:a16="http://schemas.microsoft.com/office/drawing/2014/main" id="{3A11A239-4D94-4DA9-83E7-7639D05F43F2}"/>
+              </a:ext>
+            </a:extLst>
+          </p:cNvPr>
+          <p:cNvGrpSpPr/>
+          <p:nvPr/>
+        </p:nvGrpSpPr>
+        <p:grpSpPr>
+          <a:xfrm>
+            <a:off x="10290624" y="4959310"/>
+            <a:ext cx="342900" cy="342900"/>
+            <a:chOff x="7504476" y="5886450"/>
+            <a:chExt cx="342900" cy="342900"/>
+          </a:xfrm>
+        </p:grpSpPr>
+        <p:sp>
+          <p:nvSpPr>
+            <p:cNvPr id="49" name="Oval 48">
+              <a:extLst>
+                <a:ext uri="{FF2B5EF4-FFF2-40B4-BE49-F238E27FC236}">
+                  <a16:creationId xmlns:a16="http://schemas.microsoft.com/office/drawing/2014/main" id="{F5338ABC-3858-4757-9728-28A281A1FA09}"/>
+                </a:ext>
+              </a:extLst>
+            </p:cNvPr>
+            <p:cNvSpPr/>
+            <p:nvPr/>
+          </p:nvSpPr>
+          <p:spPr>
+            <a:xfrm>
+              <a:off x="7504476" y="5886450"/>
+              <a:ext cx="342900" cy="342900"/>
+            </a:xfrm>
+            <a:prstGeom prst="ellipse">
+              <a:avLst/>
+            </a:prstGeom>
+          </p:spPr>
+          <p:style>
+            <a:lnRef idx="2">
+              <a:schemeClr val="accent3">
+                <a:shade val="50000"/>
+              </a:schemeClr>
+            </a:lnRef>
+            <a:fillRef idx="1">
+              <a:schemeClr val="accent3"/>
+            </a:fillRef>
+            <a:effectRef idx="0">
+              <a:schemeClr val="accent3"/>
+            </a:effectRef>
+            <a:fontRef idx="minor">
+              <a:schemeClr val="lt1"/>
+            </a:fontRef>
+          </p:style>
+          <p:txBody>
+            <a:bodyPr rtlCol="0" anchor="ctr"/>
+            <a:lstStyle/>
+            <a:p>
+              <a:pPr algn="ctr"/>
+              <a:endParaRPr lang="en-US"/>
+            </a:p>
+          </p:txBody>
+        </p:sp>
+        <p:sp>
+          <p:nvSpPr>
+            <p:cNvPr id="50" name="Star: 5 Points 49">
+              <a:extLst>
+                <a:ext uri="{FF2B5EF4-FFF2-40B4-BE49-F238E27FC236}">
+                  <a16:creationId xmlns:a16="http://schemas.microsoft.com/office/drawing/2014/main" id="{F0EC817B-1767-44B5-A2E8-47F29DD23B8A}"/>
+                </a:ext>
+              </a:extLst>
+            </p:cNvPr>
+            <p:cNvSpPr>
+              <a:spLocks noChangeAspect="1"/>
+            </p:cNvSpPr>
+            <p:nvPr/>
+          </p:nvSpPr>
+          <p:spPr>
+            <a:xfrm>
+              <a:off x="7633064" y="5907879"/>
+              <a:ext cx="85725" cy="85725"/>
+            </a:xfrm>
+            <a:prstGeom prst="star5">
+              <a:avLst>
+                <a:gd name="adj" fmla="val 20354"/>
+                <a:gd name="hf" fmla="val 105146"/>
+                <a:gd name="vf" fmla="val 110557"/>
+              </a:avLst>
+            </a:prstGeom>
+          </p:spPr>
+          <p:style>
+            <a:lnRef idx="2">
+              <a:schemeClr val="dk1">
+                <a:shade val="50000"/>
+              </a:schemeClr>
+            </a:lnRef>
+            <a:fillRef idx="1">
+              <a:schemeClr val="dk1"/>
+            </a:fillRef>
+            <a:effectRef idx="0">
+              <a:schemeClr val="dk1"/>
+            </a:effectRef>
+            <a:fontRef idx="minor">
+              <a:schemeClr val="lt1"/>
+            </a:fontRef>
+          </p:style>
+          <p:txBody>
+            <a:bodyPr rtlCol="0" anchor="ctr"/>
+            <a:lstStyle/>
+            <a:p>
+              <a:pPr algn="ctr"/>
+              <a:endParaRPr lang="en-US"/>
+            </a:p>
+          </p:txBody>
+        </p:sp>
+        <p:sp>
+          <p:nvSpPr>
+            <p:cNvPr id="51" name="Rectangle 50">
+              <a:extLst>
+                <a:ext uri="{FF2B5EF4-FFF2-40B4-BE49-F238E27FC236}">
+                  <a16:creationId xmlns:a16="http://schemas.microsoft.com/office/drawing/2014/main" id="{5B55A4CA-861E-41BE-9E39-A8AB0DA32CDD}"/>
+                </a:ext>
+              </a:extLst>
+            </p:cNvPr>
+            <p:cNvSpPr>
+              <a:spLocks/>
+            </p:cNvSpPr>
+            <p:nvPr/>
+          </p:nvSpPr>
+          <p:spPr>
+            <a:xfrm>
+              <a:off x="7666782" y="5992415"/>
+              <a:ext cx="18288" cy="228600"/>
+            </a:xfrm>
+            <a:prstGeom prst="rect">
+              <a:avLst/>
+            </a:prstGeom>
+            <a:solidFill>
+              <a:schemeClr val="tx1"/>
+            </a:solidFill>
+            <a:ln>
+              <a:noFill/>
+            </a:ln>
+          </p:spPr>
+          <p:style>
+            <a:lnRef idx="2">
+              <a:schemeClr val="accent1">
+                <a:shade val="50000"/>
+              </a:schemeClr>
+            </a:lnRef>
+            <a:fillRef idx="1">
+              <a:schemeClr val="accent1"/>
+            </a:fillRef>
+            <a:effectRef idx="0">
+              <a:schemeClr val="accent1"/>
+            </a:effectRef>
+            <a:fontRef idx="minor">
+              <a:schemeClr val="lt1"/>
+            </a:fontRef>
+          </p:style>
+          <p:txBody>
+            <a:bodyPr rtlCol="0" anchor="ctr"/>
+            <a:lstStyle/>
+            <a:p>
+              <a:pPr algn="ctr"/>
+              <a:endParaRPr lang="en-US"/>
+            </a:p>
+          </p:txBody>
+        </p:sp>
+      </p:grpSp>
     </p:spTree>
     <p:extLst>
       <p:ext uri="{BB962C8B-B14F-4D97-AF65-F5344CB8AC3E}">
